--- a/Team10_ProblemFormulation.pptx
+++ b/Team10_ProblemFormulation.pptx
@@ -5,18 +5,23 @@
     <p:sldMasterId id="2147483648" r:id="rId1"/>
   </p:sldMasterIdLst>
   <p:notesMasterIdLst>
-    <p:notesMasterId r:id="rId11"/>
+    <p:notesMasterId r:id="rId16"/>
   </p:notesMasterIdLst>
   <p:sldIdLst>
     <p:sldId id="256" r:id="rId2"/>
-    <p:sldId id="257" r:id="rId3"/>
-    <p:sldId id="258" r:id="rId4"/>
-    <p:sldId id="266" r:id="rId5"/>
-    <p:sldId id="269" r:id="rId6"/>
-    <p:sldId id="259" r:id="rId7"/>
-    <p:sldId id="260" r:id="rId8"/>
-    <p:sldId id="261" r:id="rId9"/>
-    <p:sldId id="265" r:id="rId10"/>
+    <p:sldId id="266" r:id="rId3"/>
+    <p:sldId id="269" r:id="rId4"/>
+    <p:sldId id="259" r:id="rId5"/>
+    <p:sldId id="271" r:id="rId6"/>
+    <p:sldId id="270" r:id="rId7"/>
+    <p:sldId id="272" r:id="rId8"/>
+    <p:sldId id="273" r:id="rId9"/>
+    <p:sldId id="274" r:id="rId10"/>
+    <p:sldId id="275" r:id="rId11"/>
+    <p:sldId id="277" r:id="rId12"/>
+    <p:sldId id="276" r:id="rId13"/>
+    <p:sldId id="278" r:id="rId14"/>
+    <p:sldId id="280" r:id="rId15"/>
   </p:sldIdLst>
   <p:sldSz cx="12192000" cy="6858000"/>
   <p:notesSz cx="6858000" cy="9144000"/>
@@ -1470,7 +1475,7 @@
           <a:p>
             <a:r>
               <a:rPr lang="de-DE"/>
-              <a:t>30.05.2022</a:t>
+              <a:t>17.07.2022</a:t>
             </a:r>
           </a:p>
         </p:txBody>
@@ -1671,7 +1676,7 @@
           <a:p>
             <a:r>
               <a:rPr lang="de-DE"/>
-              <a:t>30.05.2022</a:t>
+              <a:t>17.07.2022</a:t>
             </a:r>
           </a:p>
         </p:txBody>
@@ -1882,7 +1887,7 @@
           <a:p>
             <a:r>
               <a:rPr lang="de-DE"/>
-              <a:t>30.05.2022</a:t>
+              <a:t>17.07.2022</a:t>
             </a:r>
           </a:p>
         </p:txBody>
@@ -2026,35 +2031,35 @@
           <a:p>
             <a:pPr lvl="0"/>
             <a:r>
-              <a:rPr lang="de-DE"/>
+              <a:rPr lang="de-DE" dirty="0"/>
               <a:t>Mastertextformat bearbeiten</a:t>
             </a:r>
           </a:p>
           <a:p>
             <a:pPr lvl="1"/>
             <a:r>
-              <a:rPr lang="de-DE"/>
+              <a:rPr lang="de-DE" dirty="0"/>
               <a:t>Zweite Ebene</a:t>
             </a:r>
           </a:p>
           <a:p>
             <a:pPr lvl="2"/>
             <a:r>
-              <a:rPr lang="de-DE"/>
+              <a:rPr lang="de-DE" dirty="0"/>
               <a:t>Dritte Ebene</a:t>
             </a:r>
           </a:p>
           <a:p>
             <a:pPr lvl="3"/>
             <a:r>
-              <a:rPr lang="de-DE"/>
+              <a:rPr lang="de-DE" dirty="0"/>
               <a:t>Vierte Ebene</a:t>
             </a:r>
           </a:p>
           <a:p>
             <a:pPr lvl="4"/>
             <a:r>
-              <a:rPr lang="de-DE"/>
+              <a:rPr lang="de-DE" dirty="0"/>
               <a:t>Fünfte Ebene</a:t>
             </a:r>
           </a:p>
@@ -2083,8 +2088,9 @@
           <a:p>
             <a:r>
               <a:rPr lang="de-DE"/>
-              <a:t>30.05.2022</a:t>
-            </a:r>
+              <a:t>17.07.2022</a:t>
+            </a:r>
+            <a:endParaRPr lang="de-DE" dirty="0"/>
           </a:p>
         </p:txBody>
       </p:sp>
@@ -2361,7 +2367,7 @@
           <a:p>
             <a:r>
               <a:rPr lang="de-DE"/>
-              <a:t>30.05.2022</a:t>
+              <a:t>17.07.2022</a:t>
             </a:r>
           </a:p>
         </p:txBody>
@@ -2629,7 +2635,7 @@
           <a:p>
             <a:r>
               <a:rPr lang="de-DE"/>
-              <a:t>30.05.2022</a:t>
+              <a:t>17.07.2022</a:t>
             </a:r>
           </a:p>
         </p:txBody>
@@ -3044,7 +3050,7 @@
           <a:p>
             <a:r>
               <a:rPr lang="de-DE"/>
-              <a:t>30.05.2022</a:t>
+              <a:t>17.07.2022</a:t>
             </a:r>
           </a:p>
         </p:txBody>
@@ -3188,7 +3194,7 @@
           <a:p>
             <a:r>
               <a:rPr lang="de-DE"/>
-              <a:t>30.05.2022</a:t>
+              <a:t>17.07.2022</a:t>
             </a:r>
           </a:p>
         </p:txBody>
@@ -3304,7 +3310,7 @@
           <a:p>
             <a:r>
               <a:rPr lang="de-DE"/>
-              <a:t>30.05.2022</a:t>
+              <a:t>17.07.2022</a:t>
             </a:r>
           </a:p>
         </p:txBody>
@@ -3618,7 +3624,7 @@
           <a:p>
             <a:r>
               <a:rPr lang="de-DE"/>
-              <a:t>30.05.2022</a:t>
+              <a:t>17.07.2022</a:t>
             </a:r>
           </a:p>
         </p:txBody>
@@ -3909,7 +3915,7 @@
           <a:p>
             <a:r>
               <a:rPr lang="de-DE"/>
-              <a:t>30.05.2022</a:t>
+              <a:t>17.07.2022</a:t>
             </a:r>
           </a:p>
         </p:txBody>
@@ -4153,7 +4159,7 @@
           <a:p>
             <a:r>
               <a:rPr lang="de-DE"/>
-              <a:t>30.05.2022</a:t>
+              <a:t>17.07.2022</a:t>
             </a:r>
           </a:p>
         </p:txBody>
@@ -4596,41 +4602,12 @@
           <a:lstStyle/>
           <a:p>
             <a:r>
-              <a:rPr lang="de-DE"/>
-              <a:t>Problem </a:t>
-            </a:r>
-            <a:r>
-              <a:rPr lang="de-DE" err="1"/>
-              <a:t>Formulation</a:t>
-            </a:r>
-            <a:endParaRPr lang="de-DE"/>
-          </a:p>
-        </p:txBody>
-      </p:sp>
-      <p:sp>
-        <p:nvSpPr>
-          <p:cNvPr id="3" name="Untertitel 2">
-            <a:extLst>
-              <a:ext uri="{FF2B5EF4-FFF2-40B4-BE49-F238E27FC236}">
-                <a16:creationId xmlns:a16="http://schemas.microsoft.com/office/drawing/2014/main" id="{4CA50DFA-CC3B-4D0C-A805-367697050155}"/>
-              </a:ext>
-            </a:extLst>
-          </p:cNvPr>
-          <p:cNvSpPr>
-            <a:spLocks noGrp="1"/>
-          </p:cNvSpPr>
-          <p:nvPr>
-            <p:ph type="subTitle" idx="1"/>
-          </p:nvPr>
-        </p:nvSpPr>
-        <p:spPr/>
-        <p:txBody>
-          <a:bodyPr/>
-          <a:lstStyle/>
-          <a:p>
-            <a:r>
-              <a:rPr lang="de-DE"/>
-              <a:t>Natural Language Processing</a:t>
+              <a:rPr lang="de-DE" dirty="0" err="1"/>
+              <a:t>One</a:t>
+            </a:r>
+            <a:r>
+              <a:rPr lang="de-DE" dirty="0"/>
+              <a:t> Million Corpus Posts</a:t>
             </a:r>
           </a:p>
         </p:txBody>
@@ -4663,8 +4640,9 @@
           <a:p>
             <a:r>
               <a:rPr lang="de-DE"/>
-              <a:t>30.05.2022</a:t>
-            </a:r>
+              <a:t>17.07.2022</a:t>
+            </a:r>
+            <a:endParaRPr lang="de-DE" dirty="0"/>
           </a:p>
         </p:txBody>
       </p:sp>
@@ -4695,10 +4673,10 @@
           <a:lstStyle/>
           <a:p>
             <a:r>
-              <a:rPr lang="nb-NO"/>
+              <a:rPr lang="nb-NO" dirty="0"/>
               <a:t>Tim Luckhardt - 3142907, Samuel Becker - 2847416, Mehmed Yilmaz - 3476521</a:t>
             </a:r>
-            <a:endParaRPr lang="de-DE"/>
+            <a:endParaRPr lang="de-DE" dirty="0"/>
           </a:p>
         </p:txBody>
       </p:sp>
@@ -4740,6 +4718,1021 @@
     <p:extLst>
       <p:ext uri="{BB962C8B-B14F-4D97-AF65-F5344CB8AC3E}">
         <p14:creationId xmlns:p14="http://schemas.microsoft.com/office/powerpoint/2010/main" val="1165014081"/>
+      </p:ext>
+    </p:extLst>
+  </p:cSld>
+  <p:clrMapOvr>
+    <a:masterClrMapping/>
+  </p:clrMapOvr>
+</p:sld>
+</file>
+
+<file path=ppt/slides/slide10.xml><?xml version="1.0" encoding="utf-8"?>
+<p:sld xmlns:a="http://schemas.openxmlformats.org/drawingml/2006/main" xmlns:r="http://schemas.openxmlformats.org/officeDocument/2006/relationships" xmlns:p="http://schemas.openxmlformats.org/presentationml/2006/main">
+  <p:cSld>
+    <p:spTree>
+      <p:nvGrpSpPr>
+        <p:cNvPr id="1" name=""/>
+        <p:cNvGrpSpPr/>
+        <p:nvPr/>
+      </p:nvGrpSpPr>
+      <p:grpSpPr>
+        <a:xfrm>
+          <a:off x="0" y="0"/>
+          <a:ext cx="0" cy="0"/>
+          <a:chOff x="0" y="0"/>
+          <a:chExt cx="0" cy="0"/>
+        </a:xfrm>
+      </p:grpSpPr>
+      <p:sp>
+        <p:nvSpPr>
+          <p:cNvPr id="2" name="Titel 1">
+            <a:extLst>
+              <a:ext uri="{FF2B5EF4-FFF2-40B4-BE49-F238E27FC236}">
+                <a16:creationId xmlns:a16="http://schemas.microsoft.com/office/drawing/2014/main" id="{101943EA-A0D1-F3FB-1AF3-BF254A790B7E}"/>
+              </a:ext>
+            </a:extLst>
+          </p:cNvPr>
+          <p:cNvSpPr>
+            <a:spLocks noGrp="1"/>
+          </p:cNvSpPr>
+          <p:nvPr>
+            <p:ph type="title"/>
+          </p:nvPr>
+        </p:nvSpPr>
+        <p:spPr/>
+        <p:txBody>
+          <a:bodyPr/>
+          <a:lstStyle/>
+          <a:p>
+            <a:r>
+              <a:rPr lang="de-DE"/>
+              <a:t>Correlations between Labels</a:t>
+            </a:r>
+            <a:endParaRPr lang="de-DE" dirty="0"/>
+          </a:p>
+        </p:txBody>
+      </p:sp>
+      <p:sp>
+        <p:nvSpPr>
+          <p:cNvPr id="4" name="Datumsplatzhalter 3">
+            <a:extLst>
+              <a:ext uri="{FF2B5EF4-FFF2-40B4-BE49-F238E27FC236}">
+                <a16:creationId xmlns:a16="http://schemas.microsoft.com/office/drawing/2014/main" id="{56D128AD-07B9-3AF1-3755-561DE85E749A}"/>
+              </a:ext>
+            </a:extLst>
+          </p:cNvPr>
+          <p:cNvSpPr>
+            <a:spLocks noGrp="1"/>
+          </p:cNvSpPr>
+          <p:nvPr>
+            <p:ph type="dt" sz="half" idx="10"/>
+          </p:nvPr>
+        </p:nvSpPr>
+        <p:spPr/>
+        <p:txBody>
+          <a:bodyPr/>
+          <a:lstStyle/>
+          <a:p>
+            <a:r>
+              <a:rPr lang="de-DE"/>
+              <a:t>17.07.2022</a:t>
+            </a:r>
+            <a:endParaRPr lang="de-DE" dirty="0"/>
+          </a:p>
+        </p:txBody>
+      </p:sp>
+      <p:sp>
+        <p:nvSpPr>
+          <p:cNvPr id="5" name="Fußzeilenplatzhalter 4">
+            <a:extLst>
+              <a:ext uri="{FF2B5EF4-FFF2-40B4-BE49-F238E27FC236}">
+                <a16:creationId xmlns:a16="http://schemas.microsoft.com/office/drawing/2014/main" id="{C9473178-D11C-D79F-4AAD-5277914A3B77}"/>
+              </a:ext>
+            </a:extLst>
+          </p:cNvPr>
+          <p:cNvSpPr>
+            <a:spLocks noGrp="1"/>
+          </p:cNvSpPr>
+          <p:nvPr>
+            <p:ph type="ftr" sz="quarter" idx="11"/>
+          </p:nvPr>
+        </p:nvSpPr>
+        <p:spPr/>
+        <p:txBody>
+          <a:bodyPr/>
+          <a:lstStyle/>
+          <a:p>
+            <a:r>
+              <a:rPr lang="nb-NO"/>
+              <a:t>Tim Luckhardt - 3142907, Samuel Becker - 2847416, Mehmed Yilmaz - 3476521</a:t>
+            </a:r>
+            <a:endParaRPr lang="de-DE"/>
+          </a:p>
+        </p:txBody>
+      </p:sp>
+      <p:sp>
+        <p:nvSpPr>
+          <p:cNvPr id="6" name="Foliennummernplatzhalter 5">
+            <a:extLst>
+              <a:ext uri="{FF2B5EF4-FFF2-40B4-BE49-F238E27FC236}">
+                <a16:creationId xmlns:a16="http://schemas.microsoft.com/office/drawing/2014/main" id="{D6437987-E491-5BDD-DD70-CDFF12B6EA70}"/>
+              </a:ext>
+            </a:extLst>
+          </p:cNvPr>
+          <p:cNvSpPr>
+            <a:spLocks noGrp="1"/>
+          </p:cNvSpPr>
+          <p:nvPr>
+            <p:ph type="sldNum" sz="quarter" idx="12"/>
+          </p:nvPr>
+        </p:nvSpPr>
+        <p:spPr/>
+        <p:txBody>
+          <a:bodyPr/>
+          <a:lstStyle/>
+          <a:p>
+            <a:fld id="{9DBF7759-3F72-4198-82BE-36D4A88F8806}" type="slidenum">
+              <a:rPr lang="de-DE" smtClean="0"/>
+              <a:t>10</a:t>
+            </a:fld>
+            <a:endParaRPr lang="de-DE"/>
+          </a:p>
+        </p:txBody>
+      </p:sp>
+      <p:pic>
+        <p:nvPicPr>
+          <p:cNvPr id="8" name="Grafik 7">
+            <a:extLst>
+              <a:ext uri="{FF2B5EF4-FFF2-40B4-BE49-F238E27FC236}">
+                <a16:creationId xmlns:a16="http://schemas.microsoft.com/office/drawing/2014/main" id="{67334810-2DD8-E2D9-07B1-FF683DF1F1E5}"/>
+              </a:ext>
+            </a:extLst>
+          </p:cNvPr>
+          <p:cNvPicPr>
+            <a:picLocks noChangeAspect="1"/>
+          </p:cNvPicPr>
+          <p:nvPr/>
+        </p:nvPicPr>
+        <p:blipFill>
+          <a:blip r:embed="rId2"/>
+          <a:stretch>
+            <a:fillRect/>
+          </a:stretch>
+        </p:blipFill>
+        <p:spPr>
+          <a:xfrm>
+            <a:off x="76643" y="1378541"/>
+            <a:ext cx="7466715" cy="4977809"/>
+          </a:xfrm>
+          <a:prstGeom prst="rect">
+            <a:avLst/>
+          </a:prstGeom>
+        </p:spPr>
+      </p:pic>
+      <p:pic>
+        <p:nvPicPr>
+          <p:cNvPr id="11" name="Grafik 10">
+            <a:extLst>
+              <a:ext uri="{FF2B5EF4-FFF2-40B4-BE49-F238E27FC236}">
+                <a16:creationId xmlns:a16="http://schemas.microsoft.com/office/drawing/2014/main" id="{C24D941B-BF87-290D-E2CC-9A5763D8881E}"/>
+              </a:ext>
+            </a:extLst>
+          </p:cNvPr>
+          <p:cNvPicPr>
+            <a:picLocks noChangeAspect="1"/>
+          </p:cNvPicPr>
+          <p:nvPr/>
+        </p:nvPicPr>
+        <p:blipFill>
+          <a:blip r:embed="rId3"/>
+          <a:stretch>
+            <a:fillRect/>
+          </a:stretch>
+        </p:blipFill>
+        <p:spPr>
+          <a:xfrm>
+            <a:off x="6518937" y="2040934"/>
+            <a:ext cx="2314575" cy="3438525"/>
+          </a:xfrm>
+          <a:prstGeom prst="rect">
+            <a:avLst/>
+          </a:prstGeom>
+        </p:spPr>
+      </p:pic>
+    </p:spTree>
+    <p:extLst>
+      <p:ext uri="{BB962C8B-B14F-4D97-AF65-F5344CB8AC3E}">
+        <p14:creationId xmlns:p14="http://schemas.microsoft.com/office/powerpoint/2010/main" val="2201241848"/>
+      </p:ext>
+    </p:extLst>
+  </p:cSld>
+  <p:clrMapOvr>
+    <a:masterClrMapping/>
+  </p:clrMapOvr>
+</p:sld>
+</file>
+
+<file path=ppt/slides/slide11.xml><?xml version="1.0" encoding="utf-8"?>
+<p:sld xmlns:a="http://schemas.openxmlformats.org/drawingml/2006/main" xmlns:r="http://schemas.openxmlformats.org/officeDocument/2006/relationships" xmlns:p="http://schemas.openxmlformats.org/presentationml/2006/main">
+  <p:cSld>
+    <p:spTree>
+      <p:nvGrpSpPr>
+        <p:cNvPr id="1" name=""/>
+        <p:cNvGrpSpPr/>
+        <p:nvPr/>
+      </p:nvGrpSpPr>
+      <p:grpSpPr>
+        <a:xfrm>
+          <a:off x="0" y="0"/>
+          <a:ext cx="0" cy="0"/>
+          <a:chOff x="0" y="0"/>
+          <a:chExt cx="0" cy="0"/>
+        </a:xfrm>
+      </p:grpSpPr>
+      <p:sp>
+        <p:nvSpPr>
+          <p:cNvPr id="7" name="Titel 6">
+            <a:extLst>
+              <a:ext uri="{FF2B5EF4-FFF2-40B4-BE49-F238E27FC236}">
+                <a16:creationId xmlns:a16="http://schemas.microsoft.com/office/drawing/2014/main" id="{B7C27F5F-4CF9-FCF9-BCF7-6F1C80B4B730}"/>
+              </a:ext>
+            </a:extLst>
+          </p:cNvPr>
+          <p:cNvSpPr>
+            <a:spLocks noGrp="1"/>
+          </p:cNvSpPr>
+          <p:nvPr>
+            <p:ph type="ctrTitle"/>
+          </p:nvPr>
+        </p:nvSpPr>
+        <p:spPr/>
+        <p:txBody>
+          <a:bodyPr/>
+          <a:lstStyle/>
+          <a:p>
+            <a:r>
+              <a:rPr lang="de-DE" dirty="0" err="1"/>
+              <a:t>Classifiers</a:t>
+            </a:r>
+            <a:endParaRPr lang="de-DE" dirty="0"/>
+          </a:p>
+        </p:txBody>
+      </p:sp>
+      <p:sp>
+        <p:nvSpPr>
+          <p:cNvPr id="8" name="Untertitel 7">
+            <a:extLst>
+              <a:ext uri="{FF2B5EF4-FFF2-40B4-BE49-F238E27FC236}">
+                <a16:creationId xmlns:a16="http://schemas.microsoft.com/office/drawing/2014/main" id="{4839EF35-4157-4577-C4B9-4175E98C0BDF}"/>
+              </a:ext>
+            </a:extLst>
+          </p:cNvPr>
+          <p:cNvSpPr>
+            <a:spLocks noGrp="1"/>
+          </p:cNvSpPr>
+          <p:nvPr>
+            <p:ph type="subTitle" idx="1"/>
+          </p:nvPr>
+        </p:nvSpPr>
+        <p:spPr/>
+        <p:txBody>
+          <a:bodyPr/>
+          <a:lstStyle/>
+          <a:p>
+            <a:endParaRPr lang="de-DE"/>
+          </a:p>
+        </p:txBody>
+      </p:sp>
+      <p:sp>
+        <p:nvSpPr>
+          <p:cNvPr id="4" name="Datumsplatzhalter 3">
+            <a:extLst>
+              <a:ext uri="{FF2B5EF4-FFF2-40B4-BE49-F238E27FC236}">
+                <a16:creationId xmlns:a16="http://schemas.microsoft.com/office/drawing/2014/main" id="{1A552B14-E84F-C743-C0DD-755D74B68245}"/>
+              </a:ext>
+            </a:extLst>
+          </p:cNvPr>
+          <p:cNvSpPr>
+            <a:spLocks noGrp="1"/>
+          </p:cNvSpPr>
+          <p:nvPr>
+            <p:ph type="dt" sz="half" idx="10"/>
+          </p:nvPr>
+        </p:nvSpPr>
+        <p:spPr/>
+        <p:txBody>
+          <a:bodyPr/>
+          <a:lstStyle/>
+          <a:p>
+            <a:r>
+              <a:rPr lang="de-DE"/>
+              <a:t>17.07.2022</a:t>
+            </a:r>
+            <a:endParaRPr lang="de-DE" dirty="0"/>
+          </a:p>
+        </p:txBody>
+      </p:sp>
+      <p:sp>
+        <p:nvSpPr>
+          <p:cNvPr id="5" name="Fußzeilenplatzhalter 4">
+            <a:extLst>
+              <a:ext uri="{FF2B5EF4-FFF2-40B4-BE49-F238E27FC236}">
+                <a16:creationId xmlns:a16="http://schemas.microsoft.com/office/drawing/2014/main" id="{AAF0357F-20CE-C567-047B-00062349925B}"/>
+              </a:ext>
+            </a:extLst>
+          </p:cNvPr>
+          <p:cNvSpPr>
+            <a:spLocks noGrp="1"/>
+          </p:cNvSpPr>
+          <p:nvPr>
+            <p:ph type="ftr" sz="quarter" idx="11"/>
+          </p:nvPr>
+        </p:nvSpPr>
+        <p:spPr/>
+        <p:txBody>
+          <a:bodyPr/>
+          <a:lstStyle/>
+          <a:p>
+            <a:r>
+              <a:rPr lang="nb-NO"/>
+              <a:t>Tim Luckhardt - 3142907, Samuel Becker - 2847416, Mehmed Yilmaz - 3476521</a:t>
+            </a:r>
+            <a:endParaRPr lang="de-DE"/>
+          </a:p>
+        </p:txBody>
+      </p:sp>
+      <p:sp>
+        <p:nvSpPr>
+          <p:cNvPr id="6" name="Foliennummernplatzhalter 5">
+            <a:extLst>
+              <a:ext uri="{FF2B5EF4-FFF2-40B4-BE49-F238E27FC236}">
+                <a16:creationId xmlns:a16="http://schemas.microsoft.com/office/drawing/2014/main" id="{F2373E23-8473-DFC2-8B55-DDD8069495F5}"/>
+              </a:ext>
+            </a:extLst>
+          </p:cNvPr>
+          <p:cNvSpPr>
+            <a:spLocks noGrp="1"/>
+          </p:cNvSpPr>
+          <p:nvPr>
+            <p:ph type="sldNum" sz="quarter" idx="12"/>
+          </p:nvPr>
+        </p:nvSpPr>
+        <p:spPr/>
+        <p:txBody>
+          <a:bodyPr/>
+          <a:lstStyle/>
+          <a:p>
+            <a:fld id="{9DBF7759-3F72-4198-82BE-36D4A88F8806}" type="slidenum">
+              <a:rPr lang="de-DE" smtClean="0"/>
+              <a:t>11</a:t>
+            </a:fld>
+            <a:endParaRPr lang="de-DE"/>
+          </a:p>
+        </p:txBody>
+      </p:sp>
+    </p:spTree>
+    <p:extLst>
+      <p:ext uri="{BB962C8B-B14F-4D97-AF65-F5344CB8AC3E}">
+        <p14:creationId xmlns:p14="http://schemas.microsoft.com/office/powerpoint/2010/main" val="2254730655"/>
+      </p:ext>
+    </p:extLst>
+  </p:cSld>
+  <p:clrMapOvr>
+    <a:masterClrMapping/>
+  </p:clrMapOvr>
+</p:sld>
+</file>
+
+<file path=ppt/slides/slide12.xml><?xml version="1.0" encoding="utf-8"?>
+<p:sld xmlns:a="http://schemas.openxmlformats.org/drawingml/2006/main" xmlns:r="http://schemas.openxmlformats.org/officeDocument/2006/relationships" xmlns:p="http://schemas.openxmlformats.org/presentationml/2006/main">
+  <p:cSld>
+    <p:spTree>
+      <p:nvGrpSpPr>
+        <p:cNvPr id="1" name=""/>
+        <p:cNvGrpSpPr/>
+        <p:nvPr/>
+      </p:nvGrpSpPr>
+      <p:grpSpPr>
+        <a:xfrm>
+          <a:off x="0" y="0"/>
+          <a:ext cx="0" cy="0"/>
+          <a:chOff x="0" y="0"/>
+          <a:chExt cx="0" cy="0"/>
+        </a:xfrm>
+      </p:grpSpPr>
+      <p:sp>
+        <p:nvSpPr>
+          <p:cNvPr id="2" name="Titel 1">
+            <a:extLst>
+              <a:ext uri="{FF2B5EF4-FFF2-40B4-BE49-F238E27FC236}">
+                <a16:creationId xmlns:a16="http://schemas.microsoft.com/office/drawing/2014/main" id="{2F5F72F9-4C68-84E9-66A1-FD031A96E643}"/>
+              </a:ext>
+            </a:extLst>
+          </p:cNvPr>
+          <p:cNvSpPr>
+            <a:spLocks noGrp="1"/>
+          </p:cNvSpPr>
+          <p:nvPr>
+            <p:ph type="title"/>
+          </p:nvPr>
+        </p:nvSpPr>
+        <p:spPr/>
+        <p:txBody>
+          <a:bodyPr/>
+          <a:lstStyle/>
+          <a:p>
+            <a:r>
+              <a:rPr lang="de-DE" dirty="0" err="1"/>
+              <a:t>Used</a:t>
+            </a:r>
+            <a:r>
+              <a:rPr lang="de-DE" dirty="0"/>
+              <a:t> Features		</a:t>
+            </a:r>
+          </a:p>
+        </p:txBody>
+      </p:sp>
+      <p:sp>
+        <p:nvSpPr>
+          <p:cNvPr id="3" name="Inhaltsplatzhalter 2">
+            <a:extLst>
+              <a:ext uri="{FF2B5EF4-FFF2-40B4-BE49-F238E27FC236}">
+                <a16:creationId xmlns:a16="http://schemas.microsoft.com/office/drawing/2014/main" id="{37B7F07E-B270-A5DB-30E7-FD42409B6094}"/>
+              </a:ext>
+            </a:extLst>
+          </p:cNvPr>
+          <p:cNvSpPr>
+            <a:spLocks noGrp="1"/>
+          </p:cNvSpPr>
+          <p:nvPr>
+            <p:ph idx="1"/>
+          </p:nvPr>
+        </p:nvSpPr>
+        <p:spPr/>
+        <p:txBody>
+          <a:bodyPr/>
+          <a:lstStyle/>
+          <a:p>
+            <a:r>
+              <a:rPr lang="de-DE" dirty="0"/>
+              <a:t>Dense Features:	</a:t>
+            </a:r>
+          </a:p>
+          <a:p>
+            <a:pPr lvl="1"/>
+            <a:r>
+              <a:rPr lang="de-DE" dirty="0" err="1"/>
+              <a:t>Spacy</a:t>
+            </a:r>
+            <a:r>
+              <a:rPr lang="de-DE" dirty="0"/>
+              <a:t> Word-</a:t>
+            </a:r>
+            <a:r>
+              <a:rPr lang="de-DE" dirty="0" err="1"/>
+              <a:t>to</a:t>
+            </a:r>
+            <a:r>
+              <a:rPr lang="de-DE" dirty="0"/>
+              <a:t>-Vector-</a:t>
+            </a:r>
+            <a:r>
+              <a:rPr lang="de-DE" dirty="0" err="1"/>
+              <a:t>Embeddings</a:t>
+            </a:r>
+            <a:endParaRPr lang="de-DE" dirty="0"/>
+          </a:p>
+          <a:p>
+            <a:endParaRPr lang="de-DE" dirty="0"/>
+          </a:p>
+          <a:p>
+            <a:r>
+              <a:rPr lang="de-DE" dirty="0" err="1"/>
+              <a:t>Sparse</a:t>
+            </a:r>
+            <a:r>
+              <a:rPr lang="de-DE" dirty="0"/>
+              <a:t> Features:</a:t>
+            </a:r>
+          </a:p>
+          <a:p>
+            <a:pPr lvl="1"/>
+            <a:r>
+              <a:rPr lang="de-DE" dirty="0"/>
+              <a:t>TF-IDF-</a:t>
+            </a:r>
+            <a:r>
+              <a:rPr lang="de-DE" dirty="0" err="1"/>
+              <a:t>Embeddings</a:t>
+            </a:r>
+            <a:endParaRPr lang="de-DE" dirty="0"/>
+          </a:p>
+        </p:txBody>
+      </p:sp>
+      <p:sp>
+        <p:nvSpPr>
+          <p:cNvPr id="4" name="Datumsplatzhalter 3">
+            <a:extLst>
+              <a:ext uri="{FF2B5EF4-FFF2-40B4-BE49-F238E27FC236}">
+                <a16:creationId xmlns:a16="http://schemas.microsoft.com/office/drawing/2014/main" id="{E075DACA-8DF0-36D9-0467-97BC9133F7F6}"/>
+              </a:ext>
+            </a:extLst>
+          </p:cNvPr>
+          <p:cNvSpPr>
+            <a:spLocks noGrp="1"/>
+          </p:cNvSpPr>
+          <p:nvPr>
+            <p:ph type="dt" sz="half" idx="10"/>
+          </p:nvPr>
+        </p:nvSpPr>
+        <p:spPr/>
+        <p:txBody>
+          <a:bodyPr/>
+          <a:lstStyle/>
+          <a:p>
+            <a:r>
+              <a:rPr lang="de-DE"/>
+              <a:t>17.07.2022</a:t>
+            </a:r>
+            <a:endParaRPr lang="de-DE" dirty="0"/>
+          </a:p>
+        </p:txBody>
+      </p:sp>
+      <p:sp>
+        <p:nvSpPr>
+          <p:cNvPr id="5" name="Fußzeilenplatzhalter 4">
+            <a:extLst>
+              <a:ext uri="{FF2B5EF4-FFF2-40B4-BE49-F238E27FC236}">
+                <a16:creationId xmlns:a16="http://schemas.microsoft.com/office/drawing/2014/main" id="{1064AE8C-CBDF-4046-07C5-EA60D99DF4CC}"/>
+              </a:ext>
+            </a:extLst>
+          </p:cNvPr>
+          <p:cNvSpPr>
+            <a:spLocks noGrp="1"/>
+          </p:cNvSpPr>
+          <p:nvPr>
+            <p:ph type="ftr" sz="quarter" idx="11"/>
+          </p:nvPr>
+        </p:nvSpPr>
+        <p:spPr/>
+        <p:txBody>
+          <a:bodyPr/>
+          <a:lstStyle/>
+          <a:p>
+            <a:r>
+              <a:rPr lang="nb-NO"/>
+              <a:t>Tim Luckhardt - 3142907, Samuel Becker - 2847416, Mehmed Yilmaz - 3476521</a:t>
+            </a:r>
+            <a:endParaRPr lang="de-DE"/>
+          </a:p>
+        </p:txBody>
+      </p:sp>
+      <p:sp>
+        <p:nvSpPr>
+          <p:cNvPr id="6" name="Foliennummernplatzhalter 5">
+            <a:extLst>
+              <a:ext uri="{FF2B5EF4-FFF2-40B4-BE49-F238E27FC236}">
+                <a16:creationId xmlns:a16="http://schemas.microsoft.com/office/drawing/2014/main" id="{16CADEF1-ABF8-D86C-5833-53F8913493F7}"/>
+              </a:ext>
+            </a:extLst>
+          </p:cNvPr>
+          <p:cNvSpPr>
+            <a:spLocks noGrp="1"/>
+          </p:cNvSpPr>
+          <p:nvPr>
+            <p:ph type="sldNum" sz="quarter" idx="12"/>
+          </p:nvPr>
+        </p:nvSpPr>
+        <p:spPr/>
+        <p:txBody>
+          <a:bodyPr/>
+          <a:lstStyle/>
+          <a:p>
+            <a:fld id="{9DBF7759-3F72-4198-82BE-36D4A88F8806}" type="slidenum">
+              <a:rPr lang="de-DE" smtClean="0"/>
+              <a:t>12</a:t>
+            </a:fld>
+            <a:endParaRPr lang="de-DE"/>
+          </a:p>
+        </p:txBody>
+      </p:sp>
+    </p:spTree>
+    <p:extLst>
+      <p:ext uri="{BB962C8B-B14F-4D97-AF65-F5344CB8AC3E}">
+        <p14:creationId xmlns:p14="http://schemas.microsoft.com/office/powerpoint/2010/main" val="1876370384"/>
+      </p:ext>
+    </p:extLst>
+  </p:cSld>
+  <p:clrMapOvr>
+    <a:masterClrMapping/>
+  </p:clrMapOvr>
+</p:sld>
+</file>
+
+<file path=ppt/slides/slide13.xml><?xml version="1.0" encoding="utf-8"?>
+<p:sld xmlns:a="http://schemas.openxmlformats.org/drawingml/2006/main" xmlns:r="http://schemas.openxmlformats.org/officeDocument/2006/relationships" xmlns:p="http://schemas.openxmlformats.org/presentationml/2006/main">
+  <p:cSld>
+    <p:spTree>
+      <p:nvGrpSpPr>
+        <p:cNvPr id="1" name=""/>
+        <p:cNvGrpSpPr/>
+        <p:nvPr/>
+      </p:nvGrpSpPr>
+      <p:grpSpPr>
+        <a:xfrm>
+          <a:off x="0" y="0"/>
+          <a:ext cx="0" cy="0"/>
+          <a:chOff x="0" y="0"/>
+          <a:chExt cx="0" cy="0"/>
+        </a:xfrm>
+      </p:grpSpPr>
+      <p:sp>
+        <p:nvSpPr>
+          <p:cNvPr id="2" name="Titel 1">
+            <a:extLst>
+              <a:ext uri="{FF2B5EF4-FFF2-40B4-BE49-F238E27FC236}">
+                <a16:creationId xmlns:a16="http://schemas.microsoft.com/office/drawing/2014/main" id="{5925557C-9AD0-3C68-CFDD-9E8E9E47333F}"/>
+              </a:ext>
+            </a:extLst>
+          </p:cNvPr>
+          <p:cNvSpPr>
+            <a:spLocks noGrp="1"/>
+          </p:cNvSpPr>
+          <p:nvPr>
+            <p:ph type="title"/>
+          </p:nvPr>
+        </p:nvSpPr>
+        <p:spPr/>
+        <p:txBody>
+          <a:bodyPr/>
+          <a:lstStyle/>
+          <a:p>
+            <a:r>
+              <a:rPr lang="de-DE" dirty="0" err="1"/>
+              <a:t>Trained</a:t>
+            </a:r>
+            <a:r>
+              <a:rPr lang="de-DE" dirty="0"/>
+              <a:t> </a:t>
+            </a:r>
+            <a:r>
+              <a:rPr lang="de-DE" dirty="0" err="1"/>
+              <a:t>classifiers</a:t>
+            </a:r>
+            <a:endParaRPr lang="de-DE" dirty="0"/>
+          </a:p>
+        </p:txBody>
+      </p:sp>
+      <p:sp>
+        <p:nvSpPr>
+          <p:cNvPr id="3" name="Inhaltsplatzhalter 2">
+            <a:extLst>
+              <a:ext uri="{FF2B5EF4-FFF2-40B4-BE49-F238E27FC236}">
+                <a16:creationId xmlns:a16="http://schemas.microsoft.com/office/drawing/2014/main" id="{5E27056A-0EF5-59A2-37E4-05E51F46EC96}"/>
+              </a:ext>
+            </a:extLst>
+          </p:cNvPr>
+          <p:cNvSpPr>
+            <a:spLocks noGrp="1"/>
+          </p:cNvSpPr>
+          <p:nvPr>
+            <p:ph idx="1"/>
+          </p:nvPr>
+        </p:nvSpPr>
+        <p:spPr/>
+        <p:txBody>
+          <a:bodyPr/>
+          <a:lstStyle/>
+          <a:p>
+            <a:pPr>
+              <a:lnSpc>
+                <a:spcPct val="107000"/>
+              </a:lnSpc>
+            </a:pPr>
+            <a:r>
+              <a:rPr lang="en-US" dirty="0"/>
+              <a:t>SVC with different kernels</a:t>
+            </a:r>
+            <a:endParaRPr lang="de-DE" dirty="0"/>
+          </a:p>
+          <a:p>
+            <a:pPr>
+              <a:lnSpc>
+                <a:spcPct val="107000"/>
+              </a:lnSpc>
+            </a:pPr>
+            <a:r>
+              <a:rPr lang="en-US" dirty="0"/>
+              <a:t>Boosted Decision Trees</a:t>
+            </a:r>
+            <a:endParaRPr lang="de-DE" dirty="0"/>
+          </a:p>
+          <a:p>
+            <a:pPr>
+              <a:lnSpc>
+                <a:spcPct val="107000"/>
+              </a:lnSpc>
+            </a:pPr>
+            <a:r>
+              <a:rPr lang="en-US" dirty="0"/>
+              <a:t>Feed-Forward Neural Network</a:t>
+            </a:r>
+            <a:endParaRPr lang="de-DE" dirty="0"/>
+          </a:p>
+          <a:p>
+            <a:pPr>
+              <a:lnSpc>
+                <a:spcPct val="107000"/>
+              </a:lnSpc>
+            </a:pPr>
+            <a:r>
+              <a:rPr lang="en-US" dirty="0"/>
+              <a:t>k-Nearest Neighbor</a:t>
+            </a:r>
+            <a:endParaRPr lang="de-DE" dirty="0"/>
+          </a:p>
+          <a:p>
+            <a:pPr>
+              <a:lnSpc>
+                <a:spcPct val="107000"/>
+              </a:lnSpc>
+            </a:pPr>
+            <a:r>
+              <a:rPr lang="en-US" dirty="0"/>
+              <a:t>Naive Gaussian Bayes</a:t>
+            </a:r>
+            <a:endParaRPr lang="de-DE" dirty="0"/>
+          </a:p>
+          <a:p>
+            <a:pPr>
+              <a:lnSpc>
+                <a:spcPct val="107000"/>
+              </a:lnSpc>
+              <a:spcAft>
+                <a:spcPts val="800"/>
+              </a:spcAft>
+            </a:pPr>
+            <a:r>
+              <a:rPr lang="en-US" dirty="0"/>
+              <a:t>Logistic Regression</a:t>
+            </a:r>
+            <a:endParaRPr lang="de-DE" dirty="0"/>
+          </a:p>
+          <a:p>
+            <a:endParaRPr lang="de-DE" dirty="0"/>
+          </a:p>
+        </p:txBody>
+      </p:sp>
+      <p:sp>
+        <p:nvSpPr>
+          <p:cNvPr id="4" name="Datumsplatzhalter 3">
+            <a:extLst>
+              <a:ext uri="{FF2B5EF4-FFF2-40B4-BE49-F238E27FC236}">
+                <a16:creationId xmlns:a16="http://schemas.microsoft.com/office/drawing/2014/main" id="{F801CCCF-C914-E312-98C7-AF8875469498}"/>
+              </a:ext>
+            </a:extLst>
+          </p:cNvPr>
+          <p:cNvSpPr>
+            <a:spLocks noGrp="1"/>
+          </p:cNvSpPr>
+          <p:nvPr>
+            <p:ph type="dt" sz="half" idx="10"/>
+          </p:nvPr>
+        </p:nvSpPr>
+        <p:spPr/>
+        <p:txBody>
+          <a:bodyPr/>
+          <a:lstStyle/>
+          <a:p>
+            <a:r>
+              <a:rPr lang="de-DE"/>
+              <a:t>17.07.2022</a:t>
+            </a:r>
+            <a:endParaRPr lang="de-DE" dirty="0"/>
+          </a:p>
+        </p:txBody>
+      </p:sp>
+      <p:sp>
+        <p:nvSpPr>
+          <p:cNvPr id="5" name="Fußzeilenplatzhalter 4">
+            <a:extLst>
+              <a:ext uri="{FF2B5EF4-FFF2-40B4-BE49-F238E27FC236}">
+                <a16:creationId xmlns:a16="http://schemas.microsoft.com/office/drawing/2014/main" id="{3C030719-ED6F-3713-B7FE-8681BB93C88C}"/>
+              </a:ext>
+            </a:extLst>
+          </p:cNvPr>
+          <p:cNvSpPr>
+            <a:spLocks noGrp="1"/>
+          </p:cNvSpPr>
+          <p:nvPr>
+            <p:ph type="ftr" sz="quarter" idx="11"/>
+          </p:nvPr>
+        </p:nvSpPr>
+        <p:spPr/>
+        <p:txBody>
+          <a:bodyPr/>
+          <a:lstStyle/>
+          <a:p>
+            <a:r>
+              <a:rPr lang="nb-NO"/>
+              <a:t>Tim Luckhardt - 3142907, Samuel Becker - 2847416, Mehmed Yilmaz - 3476521</a:t>
+            </a:r>
+            <a:endParaRPr lang="de-DE"/>
+          </a:p>
+        </p:txBody>
+      </p:sp>
+      <p:sp>
+        <p:nvSpPr>
+          <p:cNvPr id="6" name="Foliennummernplatzhalter 5">
+            <a:extLst>
+              <a:ext uri="{FF2B5EF4-FFF2-40B4-BE49-F238E27FC236}">
+                <a16:creationId xmlns:a16="http://schemas.microsoft.com/office/drawing/2014/main" id="{69DF3A30-C84F-724C-B2CD-A7BB8848A0D9}"/>
+              </a:ext>
+            </a:extLst>
+          </p:cNvPr>
+          <p:cNvSpPr>
+            <a:spLocks noGrp="1"/>
+          </p:cNvSpPr>
+          <p:nvPr>
+            <p:ph type="sldNum" sz="quarter" idx="12"/>
+          </p:nvPr>
+        </p:nvSpPr>
+        <p:spPr/>
+        <p:txBody>
+          <a:bodyPr/>
+          <a:lstStyle/>
+          <a:p>
+            <a:fld id="{9DBF7759-3F72-4198-82BE-36D4A88F8806}" type="slidenum">
+              <a:rPr lang="de-DE" smtClean="0"/>
+              <a:t>13</a:t>
+            </a:fld>
+            <a:endParaRPr lang="de-DE"/>
+          </a:p>
+        </p:txBody>
+      </p:sp>
+    </p:spTree>
+    <p:extLst>
+      <p:ext uri="{BB962C8B-B14F-4D97-AF65-F5344CB8AC3E}">
+        <p14:creationId xmlns:p14="http://schemas.microsoft.com/office/powerpoint/2010/main" val="1318639296"/>
+      </p:ext>
+    </p:extLst>
+  </p:cSld>
+  <p:clrMapOvr>
+    <a:masterClrMapping/>
+  </p:clrMapOvr>
+</p:sld>
+</file>
+
+<file path=ppt/slides/slide14.xml><?xml version="1.0" encoding="utf-8"?>
+<p:sld xmlns:a="http://schemas.openxmlformats.org/drawingml/2006/main" xmlns:r="http://schemas.openxmlformats.org/officeDocument/2006/relationships" xmlns:p="http://schemas.openxmlformats.org/presentationml/2006/main">
+  <p:cSld>
+    <p:spTree>
+      <p:nvGrpSpPr>
+        <p:cNvPr id="1" name=""/>
+        <p:cNvGrpSpPr/>
+        <p:nvPr/>
+      </p:nvGrpSpPr>
+      <p:grpSpPr>
+        <a:xfrm>
+          <a:off x="0" y="0"/>
+          <a:ext cx="0" cy="0"/>
+          <a:chOff x="0" y="0"/>
+          <a:chExt cx="0" cy="0"/>
+        </a:xfrm>
+      </p:grpSpPr>
+      <p:sp>
+        <p:nvSpPr>
+          <p:cNvPr id="2" name="Titel 1">
+            <a:extLst>
+              <a:ext uri="{FF2B5EF4-FFF2-40B4-BE49-F238E27FC236}">
+                <a16:creationId xmlns:a16="http://schemas.microsoft.com/office/drawing/2014/main" id="{A091F17A-0008-AB0F-04E6-6E048F201D7A}"/>
+              </a:ext>
+            </a:extLst>
+          </p:cNvPr>
+          <p:cNvSpPr>
+            <a:spLocks noGrp="1"/>
+          </p:cNvSpPr>
+          <p:nvPr>
+            <p:ph type="title"/>
+          </p:nvPr>
+        </p:nvSpPr>
+        <p:spPr>
+          <a:xfrm>
+            <a:off x="3235171" y="2584543"/>
+            <a:ext cx="10515600" cy="1325563"/>
+          </a:xfrm>
+        </p:spPr>
+        <p:txBody>
+          <a:bodyPr/>
+          <a:lstStyle/>
+          <a:p>
+            <a:r>
+              <a:rPr lang="de-DE" dirty="0"/>
+              <a:t>[Switch </a:t>
+            </a:r>
+            <a:r>
+              <a:rPr lang="de-DE" dirty="0" err="1"/>
+              <a:t>to</a:t>
+            </a:r>
+            <a:r>
+              <a:rPr lang="de-DE" dirty="0"/>
+              <a:t> PDF]</a:t>
+            </a:r>
+          </a:p>
+        </p:txBody>
+      </p:sp>
+      <p:sp>
+        <p:nvSpPr>
+          <p:cNvPr id="4" name="Datumsplatzhalter 3">
+            <a:extLst>
+              <a:ext uri="{FF2B5EF4-FFF2-40B4-BE49-F238E27FC236}">
+                <a16:creationId xmlns:a16="http://schemas.microsoft.com/office/drawing/2014/main" id="{67EEFC38-4E94-338E-924C-F051023F0C72}"/>
+              </a:ext>
+            </a:extLst>
+          </p:cNvPr>
+          <p:cNvSpPr>
+            <a:spLocks noGrp="1"/>
+          </p:cNvSpPr>
+          <p:nvPr>
+            <p:ph type="dt" sz="half" idx="10"/>
+          </p:nvPr>
+        </p:nvSpPr>
+        <p:spPr/>
+        <p:txBody>
+          <a:bodyPr/>
+          <a:lstStyle/>
+          <a:p>
+            <a:r>
+              <a:rPr lang="de-DE"/>
+              <a:t>17.07.2022</a:t>
+            </a:r>
+            <a:endParaRPr lang="de-DE" dirty="0"/>
+          </a:p>
+        </p:txBody>
+      </p:sp>
+      <p:sp>
+        <p:nvSpPr>
+          <p:cNvPr id="5" name="Fußzeilenplatzhalter 4">
+            <a:extLst>
+              <a:ext uri="{FF2B5EF4-FFF2-40B4-BE49-F238E27FC236}">
+                <a16:creationId xmlns:a16="http://schemas.microsoft.com/office/drawing/2014/main" id="{FED2A1FC-B6D5-9EB0-6998-D64472985C9F}"/>
+              </a:ext>
+            </a:extLst>
+          </p:cNvPr>
+          <p:cNvSpPr>
+            <a:spLocks noGrp="1"/>
+          </p:cNvSpPr>
+          <p:nvPr>
+            <p:ph type="ftr" sz="quarter" idx="11"/>
+          </p:nvPr>
+        </p:nvSpPr>
+        <p:spPr/>
+        <p:txBody>
+          <a:bodyPr/>
+          <a:lstStyle/>
+          <a:p>
+            <a:r>
+              <a:rPr lang="nb-NO"/>
+              <a:t>Tim Luckhardt - 3142907, Samuel Becker - 2847416, Mehmed Yilmaz - 3476521</a:t>
+            </a:r>
+            <a:endParaRPr lang="de-DE"/>
+          </a:p>
+        </p:txBody>
+      </p:sp>
+      <p:sp>
+        <p:nvSpPr>
+          <p:cNvPr id="6" name="Foliennummernplatzhalter 5">
+            <a:extLst>
+              <a:ext uri="{FF2B5EF4-FFF2-40B4-BE49-F238E27FC236}">
+                <a16:creationId xmlns:a16="http://schemas.microsoft.com/office/drawing/2014/main" id="{AF78B330-D09C-9301-95CE-E69AA4FD63F9}"/>
+              </a:ext>
+            </a:extLst>
+          </p:cNvPr>
+          <p:cNvSpPr>
+            <a:spLocks noGrp="1"/>
+          </p:cNvSpPr>
+          <p:nvPr>
+            <p:ph type="sldNum" sz="quarter" idx="12"/>
+          </p:nvPr>
+        </p:nvSpPr>
+        <p:spPr/>
+        <p:txBody>
+          <a:bodyPr/>
+          <a:lstStyle/>
+          <a:p>
+            <a:fld id="{9DBF7759-3F72-4198-82BE-36D4A88F8806}" type="slidenum">
+              <a:rPr lang="de-DE" smtClean="0"/>
+              <a:t>14</a:t>
+            </a:fld>
+            <a:endParaRPr lang="de-DE"/>
+          </a:p>
+        </p:txBody>
+      </p:sp>
+    </p:spTree>
+    <p:extLst>
+      <p:ext uri="{BB962C8B-B14F-4D97-AF65-F5344CB8AC3E}">
+        <p14:creationId xmlns:p14="http://schemas.microsoft.com/office/powerpoint/2010/main" val="1395366358"/>
       </p:ext>
     </p:extLst>
   </p:cSld>
@@ -4771,7 +5764,7 @@
           <p:cNvPr id="2" name="Titel 1">
             <a:extLst>
               <a:ext uri="{FF2B5EF4-FFF2-40B4-BE49-F238E27FC236}">
-                <a16:creationId xmlns:a16="http://schemas.microsoft.com/office/drawing/2014/main" id="{ECC8E343-DEB1-4F7B-A9B1-350035174A9B}"/>
+                <a16:creationId xmlns:a16="http://schemas.microsoft.com/office/drawing/2014/main" id="{7F95B3B1-D38D-4F67-82F0-125EB91C2C44}"/>
               </a:ext>
             </a:extLst>
           </p:cNvPr>
@@ -4788,9 +5781,14 @@
           <a:lstStyle/>
           <a:p>
             <a:r>
-              <a:rPr lang="de-DE"/>
-              <a:t>Inhalt</a:t>
-            </a:r>
+              <a:rPr lang="de-DE" dirty="0"/>
+              <a:t>Dataset </a:t>
+            </a:r>
+            <a:r>
+              <a:rPr lang="de-DE" dirty="0" err="1"/>
+              <a:t>overview</a:t>
+            </a:r>
+            <a:endParaRPr lang="de-DE" dirty="0"/>
           </a:p>
         </p:txBody>
       </p:sp>
@@ -4799,7 +5797,7 @@
           <p:cNvPr id="3" name="Inhaltsplatzhalter 2">
             <a:extLst>
               <a:ext uri="{FF2B5EF4-FFF2-40B4-BE49-F238E27FC236}">
-                <a16:creationId xmlns:a16="http://schemas.microsoft.com/office/drawing/2014/main" id="{FBB53619-2D07-4829-8C06-AF4B378592C6}"/>
+                <a16:creationId xmlns:a16="http://schemas.microsoft.com/office/drawing/2014/main" id="{1E792574-2367-4867-BAEB-95E71F89F692}"/>
               </a:ext>
             </a:extLst>
           </p:cNvPr>
@@ -4816,60 +5814,90 @@
           <a:lstStyle/>
           <a:p>
             <a:r>
-              <a:rPr lang="de-DE"/>
-              <a:t>Goal</a:t>
-            </a:r>
-          </a:p>
-          <a:p>
-            <a:r>
-              <a:rPr lang="de-DE"/>
-              <a:t>Dataset </a:t>
-            </a:r>
-            <a:r>
-              <a:rPr lang="de-DE" err="1"/>
-              <a:t>overview</a:t>
-            </a:r>
-            <a:endParaRPr lang="de-DE"/>
-          </a:p>
-          <a:p>
-            <a:r>
-              <a:rPr lang="de-DE"/>
-              <a:t>Dataset </a:t>
-            </a:r>
-            <a:r>
-              <a:rPr lang="de-DE" err="1"/>
-              <a:t>labels</a:t>
-            </a:r>
-            <a:endParaRPr lang="de-DE"/>
-          </a:p>
-          <a:p>
-            <a:r>
-              <a:rPr lang="de-DE"/>
-              <a:t>Dataset </a:t>
-            </a:r>
-            <a:r>
-              <a:rPr lang="de-DE" err="1"/>
-              <a:t>annoations</a:t>
-            </a:r>
-            <a:endParaRPr lang="de-DE"/>
-          </a:p>
-          <a:p>
-            <a:r>
-              <a:rPr lang="de-DE"/>
-              <a:t>Challenges</a:t>
-            </a:r>
-          </a:p>
-          <a:p>
-            <a:endParaRPr lang="de-DE"/>
-          </a:p>
-        </p:txBody>
-      </p:sp>
-      <p:sp>
-        <p:nvSpPr>
-          <p:cNvPr id="9" name="Datumsplatzhalter 8">
-            <a:extLst>
-              <a:ext uri="{FF2B5EF4-FFF2-40B4-BE49-F238E27FC236}">
-                <a16:creationId xmlns:a16="http://schemas.microsoft.com/office/drawing/2014/main" id="{03FDF890-CAAE-4D0B-8823-3FE72631E7C6}"/>
+              <a:rPr lang="de-DE" dirty="0" err="1"/>
+              <a:t>One</a:t>
+            </a:r>
+            <a:r>
+              <a:rPr lang="de-DE" dirty="0"/>
+              <a:t> Million Post Corpus</a:t>
+            </a:r>
+          </a:p>
+          <a:p>
+            <a:r>
+              <a:rPr lang="de-DE" dirty="0"/>
+              <a:t>Austrian </a:t>
+            </a:r>
+            <a:r>
+              <a:rPr lang="de-DE" dirty="0" err="1"/>
+              <a:t>newspaper</a:t>
+            </a:r>
+            <a:r>
+              <a:rPr lang="de-DE" dirty="0"/>
+              <a:t> “Der Standard”</a:t>
+            </a:r>
+          </a:p>
+          <a:p>
+            <a:r>
+              <a:rPr lang="de-DE" dirty="0"/>
+              <a:t>Dataset Language: German</a:t>
+            </a:r>
+          </a:p>
+          <a:p>
+            <a:r>
+              <a:rPr lang="de-DE" dirty="0"/>
+              <a:t>Data </a:t>
+            </a:r>
+            <a:r>
+              <a:rPr lang="de-DE" dirty="0" err="1"/>
+              <a:t>from</a:t>
+            </a:r>
+            <a:r>
+              <a:rPr lang="de-DE" dirty="0"/>
+              <a:t>:  2015-2016, </a:t>
+            </a:r>
+            <a:r>
+              <a:rPr lang="de-DE" dirty="0" err="1"/>
+              <a:t>around</a:t>
+            </a:r>
+            <a:r>
+              <a:rPr lang="de-DE" dirty="0"/>
+              <a:t> June </a:t>
+            </a:r>
+            <a:r>
+              <a:rPr lang="de-DE" dirty="0" err="1"/>
+              <a:t>each</a:t>
+            </a:r>
+            <a:r>
+              <a:rPr lang="de-DE" dirty="0"/>
+              <a:t> </a:t>
+            </a:r>
+            <a:r>
+              <a:rPr lang="de-DE" dirty="0" err="1"/>
+              <a:t>year</a:t>
+            </a:r>
+            <a:endParaRPr lang="de-DE" dirty="0"/>
+          </a:p>
+          <a:p>
+            <a:r>
+              <a:rPr lang="en-US" dirty="0"/>
+              <a:t>11.773 labeled and 1.000.000 unlabeled posts </a:t>
+            </a:r>
+          </a:p>
+          <a:p>
+            <a:r>
+              <a:rPr lang="en-US" dirty="0"/>
+              <a:t>annotated by professional forum moderators </a:t>
+            </a:r>
+            <a:endParaRPr lang="de-DE" dirty="0"/>
+          </a:p>
+        </p:txBody>
+      </p:sp>
+      <p:sp>
+        <p:nvSpPr>
+          <p:cNvPr id="10" name="Datumsplatzhalter 9">
+            <a:extLst>
+              <a:ext uri="{FF2B5EF4-FFF2-40B4-BE49-F238E27FC236}">
+                <a16:creationId xmlns:a16="http://schemas.microsoft.com/office/drawing/2014/main" id="{E4909335-390B-4541-9FEF-1C26E7A35400}"/>
               </a:ext>
             </a:extLst>
           </p:cNvPr>
@@ -4887,17 +5915,18 @@
           <a:p>
             <a:r>
               <a:rPr lang="de-DE"/>
-              <a:t>30.05.2022</a:t>
-            </a:r>
-          </a:p>
-        </p:txBody>
-      </p:sp>
-      <p:sp>
-        <p:nvSpPr>
-          <p:cNvPr id="11" name="Foliennummernplatzhalter 10">
-            <a:extLst>
-              <a:ext uri="{FF2B5EF4-FFF2-40B4-BE49-F238E27FC236}">
-                <a16:creationId xmlns:a16="http://schemas.microsoft.com/office/drawing/2014/main" id="{84637478-C644-4E00-9A68-0F58E0088C15}"/>
+              <a:t>17.07.2022</a:t>
+            </a:r>
+            <a:endParaRPr lang="de-DE" dirty="0"/>
+          </a:p>
+        </p:txBody>
+      </p:sp>
+      <p:sp>
+        <p:nvSpPr>
+          <p:cNvPr id="12" name="Foliennummernplatzhalter 11">
+            <a:extLst>
+              <a:ext uri="{FF2B5EF4-FFF2-40B4-BE49-F238E27FC236}">
+                <a16:creationId xmlns:a16="http://schemas.microsoft.com/office/drawing/2014/main" id="{A9A32F58-471E-4820-8946-9E1B6B7E09BD}"/>
               </a:ext>
             </a:extLst>
           </p:cNvPr>
@@ -4923,10 +5952,10 @@
       </p:sp>
       <p:sp>
         <p:nvSpPr>
-          <p:cNvPr id="7" name="Fußzeilenplatzhalter 4">
-            <a:extLst>
-              <a:ext uri="{FF2B5EF4-FFF2-40B4-BE49-F238E27FC236}">
-                <a16:creationId xmlns:a16="http://schemas.microsoft.com/office/drawing/2014/main" id="{A410F2B9-2ED3-F0F6-D411-3F6D88BC5F73}"/>
+          <p:cNvPr id="8" name="Fußzeilenplatzhalter 4">
+            <a:extLst>
+              <a:ext uri="{FF2B5EF4-FFF2-40B4-BE49-F238E27FC236}">
+                <a16:creationId xmlns:a16="http://schemas.microsoft.com/office/drawing/2014/main" id="{A1894994-D513-FD2C-4DEE-83630F351266}"/>
               </a:ext>
             </a:extLst>
           </p:cNvPr>
@@ -4948,17 +5977,17 @@
           <a:lstStyle/>
           <a:p>
             <a:r>
-              <a:rPr lang="nb-NO"/>
+              <a:rPr lang="nb-NO" dirty="0"/>
               <a:t>Tim Luckhardt - 3142907, Samuel Becker - 2847416, Mehmed Yilmaz - 3476521</a:t>
             </a:r>
-            <a:endParaRPr lang="de-DE"/>
+            <a:endParaRPr lang="de-DE" dirty="0"/>
           </a:p>
         </p:txBody>
       </p:sp>
     </p:spTree>
     <p:extLst>
       <p:ext uri="{BB962C8B-B14F-4D97-AF65-F5344CB8AC3E}">
-        <p14:creationId xmlns:p14="http://schemas.microsoft.com/office/powerpoint/2010/main" val="2728527639"/>
+        <p14:creationId xmlns:p14="http://schemas.microsoft.com/office/powerpoint/2010/main" val="2205580930"/>
       </p:ext>
     </p:extLst>
   </p:cSld>
@@ -4985,12 +6014,42 @@
           <a:chExt cx="0" cy="0"/>
         </a:xfrm>
       </p:grpSpPr>
+      <p:pic>
+        <p:nvPicPr>
+          <p:cNvPr id="7" name="Grafik 6">
+            <a:extLst>
+              <a:ext uri="{FF2B5EF4-FFF2-40B4-BE49-F238E27FC236}">
+                <a16:creationId xmlns:a16="http://schemas.microsoft.com/office/drawing/2014/main" id="{D28A0C29-F99C-B57D-91FD-2249B0820CA4}"/>
+              </a:ext>
+            </a:extLst>
+          </p:cNvPr>
+          <p:cNvPicPr>
+            <a:picLocks noChangeAspect="1"/>
+          </p:cNvPicPr>
+          <p:nvPr/>
+        </p:nvPicPr>
+        <p:blipFill>
+          <a:blip r:embed="rId2"/>
+          <a:stretch>
+            <a:fillRect/>
+          </a:stretch>
+        </p:blipFill>
+        <p:spPr>
+          <a:xfrm>
+            <a:off x="887133" y="2079856"/>
+            <a:ext cx="10466667" cy="2219048"/>
+          </a:xfrm>
+          <a:prstGeom prst="rect">
+            <a:avLst/>
+          </a:prstGeom>
+        </p:spPr>
+      </p:pic>
       <p:sp>
         <p:nvSpPr>
           <p:cNvPr id="2" name="Titel 1">
             <a:extLst>
               <a:ext uri="{FF2B5EF4-FFF2-40B4-BE49-F238E27FC236}">
-                <a16:creationId xmlns:a16="http://schemas.microsoft.com/office/drawing/2014/main" id="{BC54E7EE-AAB7-409A-BA9F-C7917E874E53}"/>
+                <a16:creationId xmlns:a16="http://schemas.microsoft.com/office/drawing/2014/main" id="{7F95B3B1-D38D-4F67-82F0-125EB91C2C44}"/>
               </a:ext>
             </a:extLst>
           </p:cNvPr>
@@ -5008,104 +6067,25 @@
           <a:p>
             <a:r>
               <a:rPr lang="de-DE"/>
-              <a:t>Goal</a:t>
-            </a:r>
-          </a:p>
-        </p:txBody>
-      </p:sp>
-      <p:sp>
-        <p:nvSpPr>
-          <p:cNvPr id="3" name="Inhaltsplatzhalter 2">
-            <a:extLst>
-              <a:ext uri="{FF2B5EF4-FFF2-40B4-BE49-F238E27FC236}">
-                <a16:creationId xmlns:a16="http://schemas.microsoft.com/office/drawing/2014/main" id="{CFA6BFE4-64EB-4962-86EA-86DC650E2326}"/>
-              </a:ext>
-            </a:extLst>
-          </p:cNvPr>
-          <p:cNvSpPr>
-            <a:spLocks noGrp="1"/>
-          </p:cNvSpPr>
-          <p:nvPr>
-            <p:ph idx="1"/>
-          </p:nvPr>
-        </p:nvSpPr>
-        <p:spPr/>
-        <p:txBody>
-          <a:bodyPr/>
-          <a:lstStyle/>
-          <a:p>
+              <a:t>Dataset </a:t>
+            </a:r>
             <a:r>
               <a:rPr lang="de-DE" err="1"/>
-              <a:t>Category</a:t>
-            </a:r>
-            <a:r>
-              <a:rPr lang="de-DE"/>
-              <a:t> </a:t>
-            </a:r>
-            <a:r>
-              <a:rPr lang="de-DE" err="1"/>
-              <a:t>prediction</a:t>
-            </a:r>
-            <a:endParaRPr lang="de-DE"/>
-          </a:p>
-          <a:p>
-            <a:r>
-              <a:rPr lang="de-DE"/>
-              <a:t>N-number </a:t>
-            </a:r>
-            <a:r>
-              <a:rPr lang="de-DE" err="1"/>
-              <a:t>of</a:t>
-            </a:r>
-            <a:r>
-              <a:rPr lang="de-DE"/>
-              <a:t> </a:t>
-            </a:r>
-            <a:r>
-              <a:rPr lang="de-DE" err="1"/>
-              <a:t>categories</a:t>
-            </a:r>
-            <a:endParaRPr lang="de-DE"/>
-          </a:p>
-          <a:p>
-            <a:r>
-              <a:rPr lang="de-DE"/>
-              <a:t>Classification Models</a:t>
-            </a:r>
-          </a:p>
-          <a:p>
-            <a:r>
-              <a:rPr lang="de-DE"/>
-              <a:t>Set </a:t>
-            </a:r>
-            <a:r>
-              <a:rPr lang="de-DE" err="1"/>
-              <a:t>optimization</a:t>
-            </a:r>
-            <a:endParaRPr lang="de-DE"/>
-          </a:p>
-          <a:p>
-            <a:r>
-              <a:rPr lang="de-DE"/>
-              <a:t>Bias </a:t>
-            </a:r>
-            <a:r>
-              <a:rPr lang="de-DE" err="1"/>
-              <a:t>mitigation</a:t>
-            </a:r>
-            <a:endParaRPr lang="de-DE"/>
-          </a:p>
-          <a:p>
-            <a:endParaRPr lang="de-DE"/>
-          </a:p>
-        </p:txBody>
-      </p:sp>
-      <p:sp>
-        <p:nvSpPr>
-          <p:cNvPr id="11" name="Datumsplatzhalter 10">
-            <a:extLst>
-              <a:ext uri="{FF2B5EF4-FFF2-40B4-BE49-F238E27FC236}">
-                <a16:creationId xmlns:a16="http://schemas.microsoft.com/office/drawing/2014/main" id="{AA2D5791-0C0D-4EFE-9A70-4C032AAF1556}"/>
+              <a:t>labels</a:t>
+            </a:r>
+            <a:r>
+              <a:rPr lang="de-DE"/>
+              <a:t> - Posts</a:t>
+            </a:r>
+          </a:p>
+        </p:txBody>
+      </p:sp>
+      <p:sp>
+        <p:nvSpPr>
+          <p:cNvPr id="10" name="Datumsplatzhalter 9">
+            <a:extLst>
+              <a:ext uri="{FF2B5EF4-FFF2-40B4-BE49-F238E27FC236}">
+                <a16:creationId xmlns:a16="http://schemas.microsoft.com/office/drawing/2014/main" id="{E4909335-390B-4541-9FEF-1C26E7A35400}"/>
               </a:ext>
             </a:extLst>
           </p:cNvPr>
@@ -5123,17 +6103,17 @@
           <a:p>
             <a:r>
               <a:rPr lang="de-DE"/>
-              <a:t>30.05.2022</a:t>
-            </a:r>
-          </a:p>
-        </p:txBody>
-      </p:sp>
-      <p:sp>
-        <p:nvSpPr>
-          <p:cNvPr id="13" name="Foliennummernplatzhalter 12">
-            <a:extLst>
-              <a:ext uri="{FF2B5EF4-FFF2-40B4-BE49-F238E27FC236}">
-                <a16:creationId xmlns:a16="http://schemas.microsoft.com/office/drawing/2014/main" id="{B5661523-96AD-4E9C-B017-88644023159D}"/>
+              <a:t>17.07.2022</a:t>
+            </a:r>
+          </a:p>
+        </p:txBody>
+      </p:sp>
+      <p:sp>
+        <p:nvSpPr>
+          <p:cNvPr id="12" name="Foliennummernplatzhalter 11">
+            <a:extLst>
+              <a:ext uri="{FF2B5EF4-FFF2-40B4-BE49-F238E27FC236}">
+                <a16:creationId xmlns:a16="http://schemas.microsoft.com/office/drawing/2014/main" id="{A9A32F58-471E-4820-8946-9E1B6B7E09BD}"/>
               </a:ext>
             </a:extLst>
           </p:cNvPr>
@@ -5159,10 +6139,10 @@
       </p:sp>
       <p:sp>
         <p:nvSpPr>
-          <p:cNvPr id="9" name="Fußzeilenplatzhalter 4">
-            <a:extLst>
-              <a:ext uri="{FF2B5EF4-FFF2-40B4-BE49-F238E27FC236}">
-                <a16:creationId xmlns:a16="http://schemas.microsoft.com/office/drawing/2014/main" id="{9555FB66-E8FD-5086-34EC-509BD5550898}"/>
+          <p:cNvPr id="8" name="Fußzeilenplatzhalter 4">
+            <a:extLst>
+              <a:ext uri="{FF2B5EF4-FFF2-40B4-BE49-F238E27FC236}">
+                <a16:creationId xmlns:a16="http://schemas.microsoft.com/office/drawing/2014/main" id="{A1894994-D513-FD2C-4DEE-83630F351266}"/>
               </a:ext>
             </a:extLst>
           </p:cNvPr>
@@ -5191,10 +6171,45 @@
           </a:p>
         </p:txBody>
       </p:sp>
+      <p:sp>
+        <p:nvSpPr>
+          <p:cNvPr id="11" name="Textfeld 10">
+            <a:extLst>
+              <a:ext uri="{FF2B5EF4-FFF2-40B4-BE49-F238E27FC236}">
+                <a16:creationId xmlns:a16="http://schemas.microsoft.com/office/drawing/2014/main" id="{A81CE4D1-CD55-3E3F-EBBA-A49F578C3DC8}"/>
+              </a:ext>
+            </a:extLst>
+          </p:cNvPr>
+          <p:cNvSpPr txBox="1"/>
+          <p:nvPr/>
+        </p:nvSpPr>
+        <p:spPr>
+          <a:xfrm>
+            <a:off x="838200" y="4298904"/>
+            <a:ext cx="2466667" cy="276999"/>
+          </a:xfrm>
+          <a:prstGeom prst="rect">
+            <a:avLst/>
+          </a:prstGeom>
+          <a:noFill/>
+        </p:spPr>
+        <p:txBody>
+          <a:bodyPr wrap="square" rtlCol="0">
+            <a:spAutoFit/>
+          </a:bodyPr>
+          <a:lstStyle/>
+          <a:p>
+            <a:r>
+              <a:rPr lang="de-DE" sz="1200"/>
+              <a:t>Table: Posts</a:t>
+            </a:r>
+          </a:p>
+        </p:txBody>
+      </p:sp>
     </p:spTree>
     <p:extLst>
       <p:ext uri="{BB962C8B-B14F-4D97-AF65-F5344CB8AC3E}">
-        <p14:creationId xmlns:p14="http://schemas.microsoft.com/office/powerpoint/2010/main" val="41291593"/>
+        <p14:creationId xmlns:p14="http://schemas.microsoft.com/office/powerpoint/2010/main" val="724030911"/>
       </p:ext>
     </p:extLst>
   </p:cSld>
@@ -5248,7 +6263,15 @@
             </a:r>
             <a:r>
               <a:rPr lang="de-DE" err="1"/>
-              <a:t>overview</a:t>
+              <a:t>labels</a:t>
+            </a:r>
+            <a:r>
+              <a:rPr lang="de-DE"/>
+              <a:t> - </a:t>
+            </a:r>
+            <a:r>
+              <a:rPr lang="de-DE" err="1"/>
+              <a:t>Articles</a:t>
             </a:r>
             <a:endParaRPr lang="de-DE"/>
           </a:p>
@@ -5256,77 +6279,6 @@
       </p:sp>
       <p:sp>
         <p:nvSpPr>
-          <p:cNvPr id="3" name="Inhaltsplatzhalter 2">
-            <a:extLst>
-              <a:ext uri="{FF2B5EF4-FFF2-40B4-BE49-F238E27FC236}">
-                <a16:creationId xmlns:a16="http://schemas.microsoft.com/office/drawing/2014/main" id="{1E792574-2367-4867-BAEB-95E71F89F692}"/>
-              </a:ext>
-            </a:extLst>
-          </p:cNvPr>
-          <p:cNvSpPr>
-            <a:spLocks noGrp="1"/>
-          </p:cNvSpPr>
-          <p:nvPr>
-            <p:ph idx="1"/>
-          </p:nvPr>
-        </p:nvSpPr>
-        <p:spPr/>
-        <p:txBody>
-          <a:bodyPr/>
-          <a:lstStyle/>
-          <a:p>
-            <a:r>
-              <a:rPr lang="de-DE" err="1"/>
-              <a:t>One</a:t>
-            </a:r>
-            <a:r>
-              <a:rPr lang="de-DE"/>
-              <a:t> Million Post Corpus</a:t>
-            </a:r>
-          </a:p>
-          <a:p>
-            <a:r>
-              <a:rPr lang="de-DE"/>
-              <a:t>Austrian </a:t>
-            </a:r>
-            <a:r>
-              <a:rPr lang="de-DE" err="1"/>
-              <a:t>newspaper</a:t>
-            </a:r>
-            <a:r>
-              <a:rPr lang="de-DE"/>
-              <a:t> “Der Standard”</a:t>
-            </a:r>
-          </a:p>
-          <a:p>
-            <a:r>
-              <a:rPr lang="de-DE"/>
-              <a:t>Dataset Language: German</a:t>
-            </a:r>
-          </a:p>
-          <a:p>
-            <a:r>
-              <a:rPr lang="de-DE"/>
-              <a:t>Data from:  2015-06-01 to 2016-05-31</a:t>
-            </a:r>
-          </a:p>
-          <a:p>
-            <a:r>
-              <a:rPr lang="en-US"/>
-              <a:t>11.773 labeled and 1.000.000 unlabeled posts </a:t>
-            </a:r>
-          </a:p>
-          <a:p>
-            <a:r>
-              <a:rPr lang="en-US"/>
-              <a:t>annotated by professional forum moderators </a:t>
-            </a:r>
-            <a:endParaRPr lang="de-DE"/>
-          </a:p>
-        </p:txBody>
-      </p:sp>
-      <p:sp>
-        <p:nvSpPr>
           <p:cNvPr id="10" name="Datumsplatzhalter 9">
             <a:extLst>
               <a:ext uri="{FF2B5EF4-FFF2-40B4-BE49-F238E27FC236}">
@@ -5348,7 +6300,7 @@
           <a:p>
             <a:r>
               <a:rPr lang="de-DE"/>
-              <a:t>30.05.2022</a:t>
+              <a:t>17.07.2022</a:t>
             </a:r>
           </a:p>
         </p:txBody>
@@ -5416,10 +6368,79 @@
           </a:p>
         </p:txBody>
       </p:sp>
+      <p:pic>
+        <p:nvPicPr>
+          <p:cNvPr id="16" name="Inhaltsplatzhalter 15">
+            <a:extLst>
+              <a:ext uri="{FF2B5EF4-FFF2-40B4-BE49-F238E27FC236}">
+                <a16:creationId xmlns:a16="http://schemas.microsoft.com/office/drawing/2014/main" id="{0FBDD0DF-21FA-16F8-634E-9ADC5C6DCB84}"/>
+              </a:ext>
+            </a:extLst>
+          </p:cNvPr>
+          <p:cNvPicPr>
+            <a:picLocks noGrp="1" noChangeAspect="1"/>
+          </p:cNvPicPr>
+          <p:nvPr>
+            <p:ph idx="1"/>
+          </p:nvPr>
+        </p:nvPicPr>
+        <p:blipFill>
+          <a:blip r:embed="rId2"/>
+          <a:stretch>
+            <a:fillRect/>
+          </a:stretch>
+        </p:blipFill>
+        <p:spPr>
+          <a:xfrm>
+            <a:off x="838200" y="2079856"/>
+            <a:ext cx="10515600" cy="2124913"/>
+          </a:xfrm>
+        </p:spPr>
+      </p:pic>
+      <p:sp>
+        <p:nvSpPr>
+          <p:cNvPr id="17" name="Textfeld 16">
+            <a:extLst>
+              <a:ext uri="{FF2B5EF4-FFF2-40B4-BE49-F238E27FC236}">
+                <a16:creationId xmlns:a16="http://schemas.microsoft.com/office/drawing/2014/main" id="{563D00D9-2884-32DA-FFF0-B206C2607D20}"/>
+              </a:ext>
+            </a:extLst>
+          </p:cNvPr>
+          <p:cNvSpPr txBox="1"/>
+          <p:nvPr/>
+        </p:nvSpPr>
+        <p:spPr>
+          <a:xfrm>
+            <a:off x="838200" y="4204769"/>
+            <a:ext cx="2466667" cy="276999"/>
+          </a:xfrm>
+          <a:prstGeom prst="rect">
+            <a:avLst/>
+          </a:prstGeom>
+          <a:noFill/>
+        </p:spPr>
+        <p:txBody>
+          <a:bodyPr wrap="square" rtlCol="0">
+            <a:spAutoFit/>
+          </a:bodyPr>
+          <a:lstStyle/>
+          <a:p>
+            <a:r>
+              <a:rPr lang="de-DE" sz="1200"/>
+              <a:t>Table: </a:t>
+            </a:r>
+            <a:r>
+              <a:rPr lang="de-DE" sz="1200" err="1"/>
+              <a:t>Articles</a:t>
+            </a:r>
+            <a:endParaRPr lang="de-DE" sz="1200"/>
+          </a:p>
+        </p:txBody>
+      </p:sp>
     </p:spTree>
     <p:extLst>
       <p:ext uri="{BB962C8B-B14F-4D97-AF65-F5344CB8AC3E}">
-        <p14:creationId xmlns:p14="http://schemas.microsoft.com/office/powerpoint/2010/main" val="2205580930"/>
+        <p14:creationId xmlns:p14="http://schemas.microsoft.com/office/powerpoint/2010/main" val="1304616362"/>
       </p:ext>
     </p:extLst>
   </p:cSld>
@@ -5446,42 +6467,12 @@
           <a:chExt cx="0" cy="0"/>
         </a:xfrm>
       </p:grpSpPr>
-      <p:pic>
-        <p:nvPicPr>
-          <p:cNvPr id="7" name="Grafik 6">
-            <a:extLst>
-              <a:ext uri="{FF2B5EF4-FFF2-40B4-BE49-F238E27FC236}">
-                <a16:creationId xmlns:a16="http://schemas.microsoft.com/office/drawing/2014/main" id="{D28A0C29-F99C-B57D-91FD-2249B0820CA4}"/>
-              </a:ext>
-            </a:extLst>
-          </p:cNvPr>
-          <p:cNvPicPr>
-            <a:picLocks noChangeAspect="1"/>
-          </p:cNvPicPr>
-          <p:nvPr/>
-        </p:nvPicPr>
-        <p:blipFill>
-          <a:blip r:embed="rId2"/>
-          <a:stretch>
-            <a:fillRect/>
-          </a:stretch>
-        </p:blipFill>
-        <p:spPr>
-          <a:xfrm>
-            <a:off x="887133" y="2079856"/>
-            <a:ext cx="10466667" cy="2219048"/>
-          </a:xfrm>
-          <a:prstGeom prst="rect">
-            <a:avLst/>
-          </a:prstGeom>
-        </p:spPr>
-      </p:pic>
       <p:sp>
         <p:nvSpPr>
           <p:cNvPr id="2" name="Titel 1">
             <a:extLst>
               <a:ext uri="{FF2B5EF4-FFF2-40B4-BE49-F238E27FC236}">
-                <a16:creationId xmlns:a16="http://schemas.microsoft.com/office/drawing/2014/main" id="{7F95B3B1-D38D-4F67-82F0-125EB91C2C44}"/>
+                <a16:creationId xmlns:a16="http://schemas.microsoft.com/office/drawing/2014/main" id="{A6ED2B57-D57F-6D00-E6D0-2AAFB09E94E7}"/>
               </a:ext>
             </a:extLst>
           </p:cNvPr>
@@ -5498,26 +6489,315 @@
           <a:lstStyle/>
           <a:p>
             <a:r>
-              <a:rPr lang="de-DE"/>
-              <a:t>Dataset </a:t>
-            </a:r>
-            <a:r>
-              <a:rPr lang="de-DE" err="1"/>
-              <a:t>labels</a:t>
-            </a:r>
-            <a:r>
-              <a:rPr lang="de-DE"/>
-              <a:t> - Posts</a:t>
-            </a:r>
-          </a:p>
-        </p:txBody>
-      </p:sp>
-      <p:sp>
-        <p:nvSpPr>
-          <p:cNvPr id="10" name="Datumsplatzhalter 9">
-            <a:extLst>
-              <a:ext uri="{FF2B5EF4-FFF2-40B4-BE49-F238E27FC236}">
-                <a16:creationId xmlns:a16="http://schemas.microsoft.com/office/drawing/2014/main" id="{E4909335-390B-4541-9FEF-1C26E7A35400}"/>
+              <a:rPr lang="de-DE" dirty="0" err="1"/>
+              <a:t>Structure</a:t>
+            </a:r>
+            <a:r>
+              <a:rPr lang="de-DE" dirty="0"/>
+              <a:t>: Posts and </a:t>
+            </a:r>
+            <a:r>
+              <a:rPr lang="de-DE" dirty="0" err="1"/>
+              <a:t>Articles</a:t>
+            </a:r>
+            <a:endParaRPr lang="de-DE" dirty="0"/>
+          </a:p>
+        </p:txBody>
+      </p:sp>
+      <p:sp>
+        <p:nvSpPr>
+          <p:cNvPr id="3" name="Inhaltsplatzhalter 2">
+            <a:extLst>
+              <a:ext uri="{FF2B5EF4-FFF2-40B4-BE49-F238E27FC236}">
+                <a16:creationId xmlns:a16="http://schemas.microsoft.com/office/drawing/2014/main" id="{F7DEF659-2E23-A463-91DE-6DF5BF3C737F}"/>
+              </a:ext>
+            </a:extLst>
+          </p:cNvPr>
+          <p:cNvSpPr>
+            <a:spLocks noGrp="1"/>
+          </p:cNvSpPr>
+          <p:nvPr>
+            <p:ph idx="1"/>
+          </p:nvPr>
+        </p:nvSpPr>
+        <p:spPr/>
+        <p:txBody>
+          <a:bodyPr>
+            <a:normAutofit lnSpcReduction="10000"/>
+          </a:bodyPr>
+          <a:lstStyle/>
+          <a:p>
+            <a:r>
+              <a:rPr lang="de-DE" dirty="0" err="1"/>
+              <a:t>Structure</a:t>
+            </a:r>
+            <a:r>
+              <a:rPr lang="de-DE" dirty="0"/>
+              <a:t> </a:t>
+            </a:r>
+            <a:r>
+              <a:rPr lang="de-DE" dirty="0" err="1"/>
+              <a:t>of</a:t>
+            </a:r>
+            <a:r>
+              <a:rPr lang="de-DE" dirty="0"/>
+              <a:t> </a:t>
+            </a:r>
+            <a:r>
+              <a:rPr lang="de-DE" dirty="0" err="1"/>
+              <a:t>posts</a:t>
+            </a:r>
+            <a:r>
+              <a:rPr lang="de-DE" dirty="0"/>
+              <a:t>:</a:t>
+            </a:r>
+          </a:p>
+          <a:p>
+            <a:pPr lvl="1">
+              <a:lnSpc>
+                <a:spcPct val="107000"/>
+              </a:lnSpc>
+            </a:pPr>
+            <a:r>
+              <a:rPr lang="en-US" sz="2200" dirty="0">
+                <a:effectLst/>
+                <a:latin typeface="Calibri" panose="020F0502020204030204" pitchFamily="34" charset="0"/>
+                <a:ea typeface="Calibri" panose="020F0502020204030204" pitchFamily="34" charset="0"/>
+                <a:cs typeface="Times New Roman" panose="02020603050405020304" pitchFamily="18" charset="0"/>
+              </a:rPr>
+              <a:t>No HTML-Tags or more complicated structure, though maybe links and E-Mails.</a:t>
+            </a:r>
+          </a:p>
+          <a:p>
+            <a:pPr>
+              <a:lnSpc>
+                <a:spcPct val="107000"/>
+              </a:lnSpc>
+            </a:pPr>
+            <a:r>
+              <a:rPr lang="de-DE" sz="2400" dirty="0"/>
+              <a:t>Possible </a:t>
+            </a:r>
+            <a:r>
+              <a:rPr lang="de-DE" sz="2400" dirty="0" err="1"/>
+              <a:t>posts</a:t>
+            </a:r>
+            <a:r>
+              <a:rPr lang="de-DE" sz="2400" dirty="0"/>
+              <a:t> (= </a:t>
+            </a:r>
+            <a:r>
+              <a:rPr lang="de-DE" sz="2400" dirty="0" err="1"/>
+              <a:t>user</a:t>
+            </a:r>
+            <a:r>
+              <a:rPr lang="de-DE" sz="2400" dirty="0"/>
+              <a:t> </a:t>
+            </a:r>
+            <a:r>
+              <a:rPr lang="de-DE" sz="2400" dirty="0" err="1"/>
+              <a:t>comments</a:t>
+            </a:r>
+            <a:r>
+              <a:rPr lang="de-DE" sz="2400" dirty="0"/>
+              <a:t>) </a:t>
+            </a:r>
+            <a:r>
+              <a:rPr lang="de-DE" sz="2400" dirty="0" err="1"/>
+              <a:t>pecularities</a:t>
+            </a:r>
+            <a:endParaRPr lang="en-US" sz="2600" dirty="0">
+              <a:effectLst/>
+              <a:latin typeface="Calibri" panose="020F0502020204030204" pitchFamily="34" charset="0"/>
+              <a:ea typeface="Calibri" panose="020F0502020204030204" pitchFamily="34" charset="0"/>
+              <a:cs typeface="Times New Roman" panose="02020603050405020304" pitchFamily="18" charset="0"/>
+            </a:endParaRPr>
+          </a:p>
+          <a:p>
+            <a:pPr lvl="1">
+              <a:lnSpc>
+                <a:spcPct val="107000"/>
+              </a:lnSpc>
+            </a:pPr>
+            <a:r>
+              <a:rPr lang="en-US" sz="2200" dirty="0">
+                <a:effectLst/>
+                <a:latin typeface="Calibri" panose="020F0502020204030204" pitchFamily="34" charset="0"/>
+                <a:ea typeface="Calibri" panose="020F0502020204030204" pitchFamily="34" charset="0"/>
+                <a:cs typeface="Times New Roman" panose="02020603050405020304" pitchFamily="18" charset="0"/>
+              </a:rPr>
+              <a:t>Typos</a:t>
+            </a:r>
+            <a:endParaRPr lang="de-DE" sz="2200" dirty="0">
+              <a:effectLst/>
+              <a:latin typeface="Calibri" panose="020F0502020204030204" pitchFamily="34" charset="0"/>
+              <a:ea typeface="Calibri" panose="020F0502020204030204" pitchFamily="34" charset="0"/>
+              <a:cs typeface="Times New Roman" panose="02020603050405020304" pitchFamily="18" charset="0"/>
+            </a:endParaRPr>
+          </a:p>
+          <a:p>
+            <a:pPr lvl="1">
+              <a:lnSpc>
+                <a:spcPct val="107000"/>
+              </a:lnSpc>
+            </a:pPr>
+            <a:r>
+              <a:rPr lang="en-US" sz="2200" dirty="0">
+                <a:effectLst/>
+                <a:latin typeface="Calibri" panose="020F0502020204030204" pitchFamily="34" charset="0"/>
+                <a:ea typeface="Calibri" panose="020F0502020204030204" pitchFamily="34" charset="0"/>
+                <a:cs typeface="Times New Roman" panose="02020603050405020304" pitchFamily="18" charset="0"/>
+              </a:rPr>
+              <a:t>Auto-correct fails </a:t>
+            </a:r>
+          </a:p>
+          <a:p>
+            <a:pPr lvl="1">
+              <a:lnSpc>
+                <a:spcPct val="107000"/>
+              </a:lnSpc>
+            </a:pPr>
+            <a:r>
+              <a:rPr lang="en-US" sz="2200" dirty="0">
+                <a:effectLst/>
+                <a:latin typeface="Calibri" panose="020F0502020204030204" pitchFamily="34" charset="0"/>
+                <a:ea typeface="Calibri" panose="020F0502020204030204" pitchFamily="34" charset="0"/>
+                <a:cs typeface="Times New Roman" panose="02020603050405020304" pitchFamily="18" charset="0"/>
+              </a:rPr>
+              <a:t>Creative ways of putting emphasis, e.g. Capslock or repeated vocals </a:t>
+            </a:r>
+          </a:p>
+          <a:p>
+            <a:pPr lvl="1">
+              <a:lnSpc>
+                <a:spcPct val="107000"/>
+              </a:lnSpc>
+            </a:pPr>
+            <a:r>
+              <a:rPr lang="en-US" sz="2200" dirty="0">
+                <a:effectLst/>
+                <a:latin typeface="Calibri" panose="020F0502020204030204" pitchFamily="34" charset="0"/>
+                <a:ea typeface="Calibri" panose="020F0502020204030204" pitchFamily="34" charset="0"/>
+                <a:cs typeface="Times New Roman" panose="02020603050405020304" pitchFamily="18" charset="0"/>
+              </a:rPr>
+              <a:t>Sidestepping Curse word filters by replacing letters, for example by stars.</a:t>
+            </a:r>
+            <a:endParaRPr lang="de-DE" sz="2200" dirty="0">
+              <a:effectLst/>
+              <a:latin typeface="Calibri" panose="020F0502020204030204" pitchFamily="34" charset="0"/>
+              <a:ea typeface="Calibri" panose="020F0502020204030204" pitchFamily="34" charset="0"/>
+              <a:cs typeface="Times New Roman" panose="02020603050405020304" pitchFamily="18" charset="0"/>
+            </a:endParaRPr>
+          </a:p>
+          <a:p>
+            <a:pPr lvl="1">
+              <a:lnSpc>
+                <a:spcPct val="107000"/>
+              </a:lnSpc>
+            </a:pPr>
+            <a:r>
+              <a:rPr lang="en-US" sz="2200" dirty="0">
+                <a:effectLst/>
+                <a:latin typeface="Calibri" panose="020F0502020204030204" pitchFamily="34" charset="0"/>
+                <a:ea typeface="Calibri" panose="020F0502020204030204" pitchFamily="34" charset="0"/>
+                <a:cs typeface="Times New Roman" panose="02020603050405020304" pitchFamily="18" charset="0"/>
+              </a:rPr>
+              <a:t>smileys (no exotic non-ASCII symbols)</a:t>
+            </a:r>
+            <a:endParaRPr lang="de-DE" sz="2200" dirty="0">
+              <a:latin typeface="Calibri" panose="020F0502020204030204" pitchFamily="34" charset="0"/>
+              <a:ea typeface="Calibri" panose="020F0502020204030204" pitchFamily="34" charset="0"/>
+              <a:cs typeface="Times New Roman" panose="02020603050405020304" pitchFamily="18" charset="0"/>
+            </a:endParaRPr>
+          </a:p>
+          <a:p>
+            <a:pPr>
+              <a:lnSpc>
+                <a:spcPct val="107000"/>
+              </a:lnSpc>
+            </a:pPr>
+            <a:r>
+              <a:rPr lang="de-DE" sz="2600" dirty="0" err="1">
+                <a:effectLst/>
+                <a:latin typeface="Calibri" panose="020F0502020204030204" pitchFamily="34" charset="0"/>
+                <a:ea typeface="Calibri" panose="020F0502020204030204" pitchFamily="34" charset="0"/>
+                <a:cs typeface="Times New Roman" panose="02020603050405020304" pitchFamily="18" charset="0"/>
+              </a:rPr>
+              <a:t>Structure</a:t>
+            </a:r>
+            <a:r>
+              <a:rPr lang="de-DE" sz="2600" dirty="0">
+                <a:effectLst/>
+                <a:latin typeface="Calibri" panose="020F0502020204030204" pitchFamily="34" charset="0"/>
+                <a:ea typeface="Calibri" panose="020F0502020204030204" pitchFamily="34" charset="0"/>
+                <a:cs typeface="Times New Roman" panose="02020603050405020304" pitchFamily="18" charset="0"/>
+              </a:rPr>
+              <a:t> </a:t>
+            </a:r>
+            <a:r>
+              <a:rPr lang="de-DE" sz="2600" dirty="0" err="1">
+                <a:effectLst/>
+                <a:latin typeface="Calibri" panose="020F0502020204030204" pitchFamily="34" charset="0"/>
+                <a:ea typeface="Calibri" panose="020F0502020204030204" pitchFamily="34" charset="0"/>
+                <a:cs typeface="Times New Roman" panose="02020603050405020304" pitchFamily="18" charset="0"/>
+              </a:rPr>
+              <a:t>of</a:t>
+            </a:r>
+            <a:r>
+              <a:rPr lang="de-DE" sz="2600" dirty="0">
+                <a:effectLst/>
+                <a:latin typeface="Calibri" panose="020F0502020204030204" pitchFamily="34" charset="0"/>
+                <a:ea typeface="Calibri" panose="020F0502020204030204" pitchFamily="34" charset="0"/>
+                <a:cs typeface="Times New Roman" panose="02020603050405020304" pitchFamily="18" charset="0"/>
+              </a:rPr>
+              <a:t> </a:t>
+            </a:r>
+            <a:r>
+              <a:rPr lang="de-DE" sz="2600" dirty="0" err="1">
+                <a:effectLst/>
+                <a:latin typeface="Calibri" panose="020F0502020204030204" pitchFamily="34" charset="0"/>
+                <a:ea typeface="Calibri" panose="020F0502020204030204" pitchFamily="34" charset="0"/>
+                <a:cs typeface="Times New Roman" panose="02020603050405020304" pitchFamily="18" charset="0"/>
+              </a:rPr>
+              <a:t>Articles</a:t>
+            </a:r>
+            <a:r>
+              <a:rPr lang="de-DE" sz="2600" dirty="0">
+                <a:effectLst/>
+                <a:latin typeface="Calibri" panose="020F0502020204030204" pitchFamily="34" charset="0"/>
+                <a:ea typeface="Calibri" panose="020F0502020204030204" pitchFamily="34" charset="0"/>
+                <a:cs typeface="Times New Roman" panose="02020603050405020304" pitchFamily="18" charset="0"/>
+              </a:rPr>
+              <a:t>:</a:t>
+            </a:r>
+          </a:p>
+          <a:p>
+            <a:pPr lvl="1">
+              <a:lnSpc>
+                <a:spcPct val="107000"/>
+              </a:lnSpc>
+            </a:pPr>
+            <a:r>
+              <a:rPr lang="en-US" sz="2200" dirty="0">
+                <a:effectLst/>
+                <a:latin typeface="Calibri" panose="020F0502020204030204" pitchFamily="34" charset="0"/>
+                <a:ea typeface="Calibri" panose="020F0502020204030204" pitchFamily="34" charset="0"/>
+                <a:cs typeface="Times New Roman" panose="02020603050405020304" pitchFamily="18" charset="0"/>
+              </a:rPr>
+              <a:t>HTML structure</a:t>
+            </a:r>
+          </a:p>
+          <a:p>
+            <a:endParaRPr lang="de-DE" dirty="0"/>
+          </a:p>
+        </p:txBody>
+      </p:sp>
+      <p:sp>
+        <p:nvSpPr>
+          <p:cNvPr id="4" name="Datumsplatzhalter 3">
+            <a:extLst>
+              <a:ext uri="{FF2B5EF4-FFF2-40B4-BE49-F238E27FC236}">
+                <a16:creationId xmlns:a16="http://schemas.microsoft.com/office/drawing/2014/main" id="{B73C1D4C-7971-5D2A-BE3E-718AF7106EE5}"/>
               </a:ext>
             </a:extLst>
           </p:cNvPr>
@@ -5535,17 +6815,47 @@
           <a:p>
             <a:r>
               <a:rPr lang="de-DE"/>
-              <a:t>30.05.2022</a:t>
-            </a:r>
-          </a:p>
-        </p:txBody>
-      </p:sp>
-      <p:sp>
-        <p:nvSpPr>
-          <p:cNvPr id="12" name="Foliennummernplatzhalter 11">
-            <a:extLst>
-              <a:ext uri="{FF2B5EF4-FFF2-40B4-BE49-F238E27FC236}">
-                <a16:creationId xmlns:a16="http://schemas.microsoft.com/office/drawing/2014/main" id="{A9A32F58-471E-4820-8946-9E1B6B7E09BD}"/>
+              <a:t>17.07.2022</a:t>
+            </a:r>
+            <a:endParaRPr lang="de-DE" dirty="0"/>
+          </a:p>
+        </p:txBody>
+      </p:sp>
+      <p:sp>
+        <p:nvSpPr>
+          <p:cNvPr id="5" name="Fußzeilenplatzhalter 4">
+            <a:extLst>
+              <a:ext uri="{FF2B5EF4-FFF2-40B4-BE49-F238E27FC236}">
+                <a16:creationId xmlns:a16="http://schemas.microsoft.com/office/drawing/2014/main" id="{0EA7C7D4-F7FB-72E0-4814-3C79E49BD828}"/>
+              </a:ext>
+            </a:extLst>
+          </p:cNvPr>
+          <p:cNvSpPr>
+            <a:spLocks noGrp="1"/>
+          </p:cNvSpPr>
+          <p:nvPr>
+            <p:ph type="ftr" sz="quarter" idx="11"/>
+          </p:nvPr>
+        </p:nvSpPr>
+        <p:spPr/>
+        <p:txBody>
+          <a:bodyPr/>
+          <a:lstStyle/>
+          <a:p>
+            <a:r>
+              <a:rPr lang="nb-NO"/>
+              <a:t>Tim Luckhardt - 3142907, Samuel Becker - 2847416, Mehmed Yilmaz - 3476521</a:t>
+            </a:r>
+            <a:endParaRPr lang="de-DE"/>
+          </a:p>
+        </p:txBody>
+      </p:sp>
+      <p:sp>
+        <p:nvSpPr>
+          <p:cNvPr id="6" name="Foliennummernplatzhalter 5">
+            <a:extLst>
+              <a:ext uri="{FF2B5EF4-FFF2-40B4-BE49-F238E27FC236}">
+                <a16:creationId xmlns:a16="http://schemas.microsoft.com/office/drawing/2014/main" id="{96EF772E-B997-4A51-6162-8F2D36DA431F}"/>
               </a:ext>
             </a:extLst>
           </p:cNvPr>
@@ -5569,79 +6879,10 @@
           </a:p>
         </p:txBody>
       </p:sp>
-      <p:sp>
-        <p:nvSpPr>
-          <p:cNvPr id="8" name="Fußzeilenplatzhalter 4">
-            <a:extLst>
-              <a:ext uri="{FF2B5EF4-FFF2-40B4-BE49-F238E27FC236}">
-                <a16:creationId xmlns:a16="http://schemas.microsoft.com/office/drawing/2014/main" id="{A1894994-D513-FD2C-4DEE-83630F351266}"/>
-              </a:ext>
-            </a:extLst>
-          </p:cNvPr>
-          <p:cNvSpPr>
-            <a:spLocks noGrp="1"/>
-          </p:cNvSpPr>
-          <p:nvPr>
-            <p:ph type="ftr" sz="quarter" idx="11"/>
-          </p:nvPr>
-        </p:nvSpPr>
-        <p:spPr>
-          <a:xfrm>
-            <a:off x="2182483" y="6356350"/>
-            <a:ext cx="8143335" cy="365125"/>
-          </a:xfrm>
-        </p:spPr>
-        <p:txBody>
-          <a:bodyPr/>
-          <a:lstStyle/>
-          <a:p>
-            <a:r>
-              <a:rPr lang="nb-NO"/>
-              <a:t>Tim Luckhardt - 3142907, Samuel Becker - 2847416, Mehmed Yilmaz - 3476521</a:t>
-            </a:r>
-            <a:endParaRPr lang="de-DE"/>
-          </a:p>
-        </p:txBody>
-      </p:sp>
-      <p:sp>
-        <p:nvSpPr>
-          <p:cNvPr id="11" name="Textfeld 10">
-            <a:extLst>
-              <a:ext uri="{FF2B5EF4-FFF2-40B4-BE49-F238E27FC236}">
-                <a16:creationId xmlns:a16="http://schemas.microsoft.com/office/drawing/2014/main" id="{A81CE4D1-CD55-3E3F-EBBA-A49F578C3DC8}"/>
-              </a:ext>
-            </a:extLst>
-          </p:cNvPr>
-          <p:cNvSpPr txBox="1"/>
-          <p:nvPr/>
-        </p:nvSpPr>
-        <p:spPr>
-          <a:xfrm>
-            <a:off x="838200" y="4298904"/>
-            <a:ext cx="2466667" cy="276999"/>
-          </a:xfrm>
-          <a:prstGeom prst="rect">
-            <a:avLst/>
-          </a:prstGeom>
-          <a:noFill/>
-        </p:spPr>
-        <p:txBody>
-          <a:bodyPr wrap="square" rtlCol="0">
-            <a:spAutoFit/>
-          </a:bodyPr>
-          <a:lstStyle/>
-          <a:p>
-            <a:r>
-              <a:rPr lang="de-DE" sz="1200"/>
-              <a:t>Table: Posts</a:t>
-            </a:r>
-          </a:p>
-        </p:txBody>
-      </p:sp>
     </p:spTree>
     <p:extLst>
       <p:ext uri="{BB962C8B-B14F-4D97-AF65-F5344CB8AC3E}">
-        <p14:creationId xmlns:p14="http://schemas.microsoft.com/office/powerpoint/2010/main" val="724030911"/>
+        <p14:creationId xmlns:p14="http://schemas.microsoft.com/office/powerpoint/2010/main" val="2282089874"/>
       </p:ext>
     </p:extLst>
   </p:cSld>
@@ -5673,7 +6914,7 @@
           <p:cNvPr id="2" name="Titel 1">
             <a:extLst>
               <a:ext uri="{FF2B5EF4-FFF2-40B4-BE49-F238E27FC236}">
-                <a16:creationId xmlns:a16="http://schemas.microsoft.com/office/drawing/2014/main" id="{7F95B3B1-D38D-4F67-82F0-125EB91C2C44}"/>
+                <a16:creationId xmlns:a16="http://schemas.microsoft.com/office/drawing/2014/main" id="{D6BFDB49-CD39-CE0D-E46F-EEE2E11FE77E}"/>
               </a:ext>
             </a:extLst>
           </p:cNvPr>
@@ -5690,20 +6931,170 @@
           <a:lstStyle/>
           <a:p>
             <a:r>
-              <a:rPr lang="de-DE"/>
-              <a:t>Dataset </a:t>
-            </a:r>
-            <a:r>
-              <a:rPr lang="de-DE" err="1"/>
+              <a:rPr lang="de-DE" dirty="0"/>
+              <a:t>Possible </a:t>
+            </a:r>
+            <a:r>
+              <a:rPr lang="de-DE" dirty="0" err="1"/>
               <a:t>labels</a:t>
             </a:r>
             <a:r>
-              <a:rPr lang="de-DE"/>
-              <a:t> - </a:t>
-            </a:r>
-            <a:r>
-              <a:rPr lang="de-DE" err="1"/>
-              <a:t>Articles</a:t>
+              <a:rPr lang="de-DE" dirty="0"/>
+              <a:t> </a:t>
+            </a:r>
+            <a:r>
+              <a:rPr lang="de-DE" dirty="0" err="1"/>
+              <a:t>of</a:t>
+            </a:r>
+            <a:r>
+              <a:rPr lang="de-DE" dirty="0"/>
+              <a:t> </a:t>
+            </a:r>
+            <a:r>
+              <a:rPr lang="de-DE" dirty="0" err="1"/>
+              <a:t>posts</a:t>
+            </a:r>
+            <a:endParaRPr lang="de-DE" dirty="0"/>
+          </a:p>
+        </p:txBody>
+      </p:sp>
+      <p:sp>
+        <p:nvSpPr>
+          <p:cNvPr id="3" name="Inhaltsplatzhalter 2">
+            <a:extLst>
+              <a:ext uri="{FF2B5EF4-FFF2-40B4-BE49-F238E27FC236}">
+                <a16:creationId xmlns:a16="http://schemas.microsoft.com/office/drawing/2014/main" id="{38E2BDBE-0E5D-F46A-8991-E28A018C0907}"/>
+              </a:ext>
+            </a:extLst>
+          </p:cNvPr>
+          <p:cNvSpPr>
+            <a:spLocks noGrp="1"/>
+          </p:cNvSpPr>
+          <p:nvPr>
+            <p:ph idx="1"/>
+          </p:nvPr>
+        </p:nvSpPr>
+        <p:spPr/>
+        <p:txBody>
+          <a:bodyPr>
+            <a:normAutofit lnSpcReduction="10000"/>
+          </a:bodyPr>
+          <a:lstStyle/>
+          <a:p>
+            <a:r>
+              <a:rPr lang="en-US" dirty="0" err="1"/>
+              <a:t>ArgumentsUsed</a:t>
+            </a:r>
+            <a:endParaRPr lang="en-US" dirty="0"/>
+          </a:p>
+          <a:p>
+            <a:r>
+              <a:rPr lang="en-US" dirty="0"/>
+              <a:t>Discriminating </a:t>
+            </a:r>
+          </a:p>
+          <a:p>
+            <a:r>
+              <a:rPr lang="en-US" dirty="0"/>
+              <a:t>Inappropriate</a:t>
+            </a:r>
+          </a:p>
+          <a:p>
+            <a:r>
+              <a:rPr lang="en-US" dirty="0" err="1"/>
+              <a:t>OffTopic</a:t>
+            </a:r>
+            <a:endParaRPr lang="en-US" dirty="0"/>
+          </a:p>
+          <a:p>
+            <a:r>
+              <a:rPr lang="en-US" dirty="0" err="1"/>
+              <a:t>PersonalStories</a:t>
+            </a:r>
+            <a:endParaRPr lang="en-US" dirty="0"/>
+          </a:p>
+          <a:p>
+            <a:r>
+              <a:rPr lang="en-US" dirty="0" err="1"/>
+              <a:t>PossiblyFeedback</a:t>
+            </a:r>
+            <a:endParaRPr lang="en-US" dirty="0"/>
+          </a:p>
+          <a:p>
+            <a:r>
+              <a:rPr lang="en-US" dirty="0" err="1"/>
+              <a:t>SentimentNegative</a:t>
+            </a:r>
+            <a:endParaRPr lang="en-US" dirty="0"/>
+          </a:p>
+          <a:p>
+            <a:r>
+              <a:rPr lang="en-US" dirty="0" err="1"/>
+              <a:t>SentimentNeutral</a:t>
+            </a:r>
+            <a:endParaRPr lang="en-US" dirty="0"/>
+          </a:p>
+          <a:p>
+            <a:r>
+              <a:rPr lang="en-US" dirty="0" err="1"/>
+              <a:t>SentimentPositive</a:t>
+            </a:r>
+            <a:endParaRPr lang="de-DE" dirty="0"/>
+          </a:p>
+        </p:txBody>
+      </p:sp>
+      <p:sp>
+        <p:nvSpPr>
+          <p:cNvPr id="4" name="Datumsplatzhalter 3">
+            <a:extLst>
+              <a:ext uri="{FF2B5EF4-FFF2-40B4-BE49-F238E27FC236}">
+                <a16:creationId xmlns:a16="http://schemas.microsoft.com/office/drawing/2014/main" id="{3E76A518-E81C-3BAA-386C-0FE1FAB1DCB7}"/>
+              </a:ext>
+            </a:extLst>
+          </p:cNvPr>
+          <p:cNvSpPr>
+            <a:spLocks noGrp="1"/>
+          </p:cNvSpPr>
+          <p:nvPr>
+            <p:ph type="dt" sz="half" idx="10"/>
+          </p:nvPr>
+        </p:nvSpPr>
+        <p:spPr/>
+        <p:txBody>
+          <a:bodyPr/>
+          <a:lstStyle/>
+          <a:p>
+            <a:r>
+              <a:rPr lang="de-DE"/>
+              <a:t>17.07.2022</a:t>
+            </a:r>
+          </a:p>
+        </p:txBody>
+      </p:sp>
+      <p:sp>
+        <p:nvSpPr>
+          <p:cNvPr id="5" name="Fußzeilenplatzhalter 4">
+            <a:extLst>
+              <a:ext uri="{FF2B5EF4-FFF2-40B4-BE49-F238E27FC236}">
+                <a16:creationId xmlns:a16="http://schemas.microsoft.com/office/drawing/2014/main" id="{B465CDCD-EC69-6644-0A64-F6BAC4CFF8F8}"/>
+              </a:ext>
+            </a:extLst>
+          </p:cNvPr>
+          <p:cNvSpPr>
+            <a:spLocks noGrp="1"/>
+          </p:cNvSpPr>
+          <p:nvPr>
+            <p:ph type="ftr" sz="quarter" idx="11"/>
+          </p:nvPr>
+        </p:nvSpPr>
+        <p:spPr/>
+        <p:txBody>
+          <a:bodyPr/>
+          <a:lstStyle/>
+          <a:p>
+            <a:r>
+              <a:rPr lang="nb-NO"/>
+              <a:t>Tim Luckhardt - 3142907, Samuel Becker - 2847416, Mehmed Yilmaz - 3476521</a:t>
             </a:r>
             <a:endParaRPr lang="de-DE"/>
           </a:p>
@@ -5711,38 +7102,10 @@
       </p:sp>
       <p:sp>
         <p:nvSpPr>
-          <p:cNvPr id="10" name="Datumsplatzhalter 9">
-            <a:extLst>
-              <a:ext uri="{FF2B5EF4-FFF2-40B4-BE49-F238E27FC236}">
-                <a16:creationId xmlns:a16="http://schemas.microsoft.com/office/drawing/2014/main" id="{E4909335-390B-4541-9FEF-1C26E7A35400}"/>
-              </a:ext>
-            </a:extLst>
-          </p:cNvPr>
-          <p:cNvSpPr>
-            <a:spLocks noGrp="1"/>
-          </p:cNvSpPr>
-          <p:nvPr>
-            <p:ph type="dt" sz="half" idx="10"/>
-          </p:nvPr>
-        </p:nvSpPr>
-        <p:spPr/>
-        <p:txBody>
-          <a:bodyPr/>
-          <a:lstStyle/>
-          <a:p>
-            <a:r>
-              <a:rPr lang="de-DE"/>
-              <a:t>30.05.2022</a:t>
-            </a:r>
-          </a:p>
-        </p:txBody>
-      </p:sp>
-      <p:sp>
-        <p:nvSpPr>
-          <p:cNvPr id="12" name="Foliennummernplatzhalter 11">
-            <a:extLst>
-              <a:ext uri="{FF2B5EF4-FFF2-40B4-BE49-F238E27FC236}">
-                <a16:creationId xmlns:a16="http://schemas.microsoft.com/office/drawing/2014/main" id="{A9A32F58-471E-4820-8946-9E1B6B7E09BD}"/>
+          <p:cNvPr id="6" name="Foliennummernplatzhalter 5">
+            <a:extLst>
+              <a:ext uri="{FF2B5EF4-FFF2-40B4-BE49-F238E27FC236}">
+                <a16:creationId xmlns:a16="http://schemas.microsoft.com/office/drawing/2014/main" id="{59B517E9-3427-AC4E-087A-CD9E49A84C0F}"/>
               </a:ext>
             </a:extLst>
           </p:cNvPr>
@@ -5766,113 +7129,10 @@
           </a:p>
         </p:txBody>
       </p:sp>
-      <p:sp>
-        <p:nvSpPr>
-          <p:cNvPr id="8" name="Fußzeilenplatzhalter 4">
-            <a:extLst>
-              <a:ext uri="{FF2B5EF4-FFF2-40B4-BE49-F238E27FC236}">
-                <a16:creationId xmlns:a16="http://schemas.microsoft.com/office/drawing/2014/main" id="{A1894994-D513-FD2C-4DEE-83630F351266}"/>
-              </a:ext>
-            </a:extLst>
-          </p:cNvPr>
-          <p:cNvSpPr>
-            <a:spLocks noGrp="1"/>
-          </p:cNvSpPr>
-          <p:nvPr>
-            <p:ph type="ftr" sz="quarter" idx="11"/>
-          </p:nvPr>
-        </p:nvSpPr>
-        <p:spPr>
-          <a:xfrm>
-            <a:off x="2182483" y="6356350"/>
-            <a:ext cx="8143335" cy="365125"/>
-          </a:xfrm>
-        </p:spPr>
-        <p:txBody>
-          <a:bodyPr/>
-          <a:lstStyle/>
-          <a:p>
-            <a:r>
-              <a:rPr lang="nb-NO"/>
-              <a:t>Tim Luckhardt - 3142907, Samuel Becker - 2847416, Mehmed Yilmaz - 3476521</a:t>
-            </a:r>
-            <a:endParaRPr lang="de-DE"/>
-          </a:p>
-        </p:txBody>
-      </p:sp>
-      <p:pic>
-        <p:nvPicPr>
-          <p:cNvPr id="16" name="Inhaltsplatzhalter 15">
-            <a:extLst>
-              <a:ext uri="{FF2B5EF4-FFF2-40B4-BE49-F238E27FC236}">
-                <a16:creationId xmlns:a16="http://schemas.microsoft.com/office/drawing/2014/main" id="{0FBDD0DF-21FA-16F8-634E-9ADC5C6DCB84}"/>
-              </a:ext>
-            </a:extLst>
-          </p:cNvPr>
-          <p:cNvPicPr>
-            <a:picLocks noGrp="1" noChangeAspect="1"/>
-          </p:cNvPicPr>
-          <p:nvPr>
-            <p:ph idx="1"/>
-          </p:nvPr>
-        </p:nvPicPr>
-        <p:blipFill>
-          <a:blip r:embed="rId2"/>
-          <a:stretch>
-            <a:fillRect/>
-          </a:stretch>
-        </p:blipFill>
-        <p:spPr>
-          <a:xfrm>
-            <a:off x="838200" y="2079856"/>
-            <a:ext cx="10515600" cy="2124913"/>
-          </a:xfrm>
-        </p:spPr>
-      </p:pic>
-      <p:sp>
-        <p:nvSpPr>
-          <p:cNvPr id="17" name="Textfeld 16">
-            <a:extLst>
-              <a:ext uri="{FF2B5EF4-FFF2-40B4-BE49-F238E27FC236}">
-                <a16:creationId xmlns:a16="http://schemas.microsoft.com/office/drawing/2014/main" id="{563D00D9-2884-32DA-FFF0-B206C2607D20}"/>
-              </a:ext>
-            </a:extLst>
-          </p:cNvPr>
-          <p:cNvSpPr txBox="1"/>
-          <p:nvPr/>
-        </p:nvSpPr>
-        <p:spPr>
-          <a:xfrm>
-            <a:off x="838200" y="4204769"/>
-            <a:ext cx="2466667" cy="276999"/>
-          </a:xfrm>
-          <a:prstGeom prst="rect">
-            <a:avLst/>
-          </a:prstGeom>
-          <a:noFill/>
-        </p:spPr>
-        <p:txBody>
-          <a:bodyPr wrap="square" rtlCol="0">
-            <a:spAutoFit/>
-          </a:bodyPr>
-          <a:lstStyle/>
-          <a:p>
-            <a:r>
-              <a:rPr lang="de-DE" sz="1200"/>
-              <a:t>Table: </a:t>
-            </a:r>
-            <a:r>
-              <a:rPr lang="de-DE" sz="1200" err="1"/>
-              <a:t>Articles</a:t>
-            </a:r>
-            <a:endParaRPr lang="de-DE" sz="1200"/>
-          </a:p>
-        </p:txBody>
-      </p:sp>
     </p:spTree>
     <p:extLst>
       <p:ext uri="{BB962C8B-B14F-4D97-AF65-F5344CB8AC3E}">
-        <p14:creationId xmlns:p14="http://schemas.microsoft.com/office/powerpoint/2010/main" val="1304616362"/>
+        <p14:creationId xmlns:p14="http://schemas.microsoft.com/office/powerpoint/2010/main" val="2030869712"/>
       </p:ext>
     </p:extLst>
   </p:cSld>
@@ -5901,99 +7161,219 @@
       </p:grpSpPr>
       <p:sp>
         <p:nvSpPr>
-          <p:cNvPr id="2" name="Titel 1">
-            <a:extLst>
-              <a:ext uri="{FF2B5EF4-FFF2-40B4-BE49-F238E27FC236}">
-                <a16:creationId xmlns:a16="http://schemas.microsoft.com/office/drawing/2014/main" id="{090D31BA-0118-4502-AC18-791B9EAB4729}"/>
-              </a:ext>
-            </a:extLst>
-          </p:cNvPr>
-          <p:cNvSpPr>
-            <a:spLocks noGrp="1"/>
-          </p:cNvSpPr>
-          <p:nvPr>
-            <p:ph type="title"/>
-          </p:nvPr>
-        </p:nvSpPr>
-        <p:spPr/>
-        <p:txBody>
-          <a:bodyPr/>
-          <a:lstStyle/>
-          <a:p>
-            <a:r>
-              <a:rPr lang="de-DE"/>
-              <a:t>Dataset </a:t>
-            </a:r>
-            <a:r>
-              <a:rPr lang="de-DE" err="1"/>
-              <a:t>annotations</a:t>
+          <p:cNvPr id="3" name="Inhaltsplatzhalter 2">
+            <a:extLst>
+              <a:ext uri="{FF2B5EF4-FFF2-40B4-BE49-F238E27FC236}">
+                <a16:creationId xmlns:a16="http://schemas.microsoft.com/office/drawing/2014/main" id="{2BE5BAE5-2D92-5756-6289-CDBA75A4C60A}"/>
+              </a:ext>
+            </a:extLst>
+          </p:cNvPr>
+          <p:cNvSpPr>
+            <a:spLocks noGrp="1"/>
+          </p:cNvSpPr>
+          <p:nvPr>
+            <p:ph idx="1"/>
+          </p:nvPr>
+        </p:nvSpPr>
+        <p:spPr/>
+        <p:txBody>
+          <a:bodyPr/>
+          <a:lstStyle/>
+          <a:p>
+            <a:r>
+              <a:rPr lang="en-US" dirty="0"/>
+              <a:t>Labels possibly imbalanced:</a:t>
+            </a:r>
+          </a:p>
+          <a:p>
+            <a:pPr lvl="1"/>
+            <a:r>
+              <a:rPr lang="en-US" dirty="0" err="1"/>
+              <a:t>ArgumentsUsed</a:t>
+            </a:r>
+            <a:r>
+              <a:rPr lang="en-US" dirty="0"/>
+              <a:t> 		(</a:t>
+            </a:r>
+            <a:r>
+              <a:rPr lang="de-DE" b="0" i="0" u="none" strike="noStrike" dirty="0">
+                <a:solidFill>
+                  <a:srgbClr val="232629"/>
+                </a:solidFill>
+                <a:effectLst/>
+                <a:latin typeface="MathJax_Main"/>
+              </a:rPr>
+              <a:t>≈ </a:t>
+            </a:r>
+            <a:r>
+              <a:rPr lang="en-US" dirty="0"/>
+              <a:t>2600 to </a:t>
+            </a:r>
+            <a:r>
+              <a:rPr lang="de-DE" b="0" i="0" u="none" strike="noStrike" dirty="0">
+                <a:solidFill>
+                  <a:srgbClr val="232629"/>
+                </a:solidFill>
+                <a:effectLst/>
+                <a:latin typeface="MathJax_Main"/>
+              </a:rPr>
+              <a:t>≈ </a:t>
+            </a:r>
+            <a:r>
+              <a:rPr lang="en-US" dirty="0"/>
+              <a:t>1000)</a:t>
+            </a:r>
+          </a:p>
+          <a:p>
+            <a:pPr lvl="1"/>
+            <a:r>
+              <a:rPr lang="en-US" dirty="0"/>
+              <a:t>Discriminating 		(</a:t>
+            </a:r>
+            <a:r>
+              <a:rPr lang="de-DE" b="0" i="0" u="none" strike="noStrike" dirty="0">
+                <a:solidFill>
+                  <a:srgbClr val="232629"/>
+                </a:solidFill>
+                <a:effectLst/>
+                <a:latin typeface="MathJax_Main"/>
+              </a:rPr>
+              <a:t>≈ </a:t>
+            </a:r>
+            <a:r>
+              <a:rPr lang="en-US" dirty="0"/>
+              <a:t>3000 to </a:t>
+            </a:r>
+            <a:r>
+              <a:rPr lang="de-DE" b="0" i="0" u="none" strike="noStrike" dirty="0">
+                <a:solidFill>
+                  <a:srgbClr val="232629"/>
+                </a:solidFill>
+                <a:effectLst/>
+                <a:latin typeface="MathJax_Main"/>
+              </a:rPr>
+              <a:t>≈ </a:t>
+            </a:r>
+            <a:r>
+              <a:rPr lang="en-US" dirty="0"/>
+              <a:t>300)</a:t>
+            </a:r>
+          </a:p>
+          <a:p>
+            <a:pPr lvl="1"/>
+            <a:r>
+              <a:rPr lang="en-US" dirty="0" err="1"/>
+              <a:t>SentimentPositive</a:t>
+            </a:r>
+            <a:r>
+              <a:rPr lang="en-US" dirty="0"/>
+              <a:t> 	(</a:t>
+            </a:r>
+            <a:r>
+              <a:rPr lang="de-DE" b="0" i="0" u="none" strike="noStrike" dirty="0">
+                <a:solidFill>
+                  <a:srgbClr val="232629"/>
+                </a:solidFill>
+                <a:effectLst/>
+                <a:latin typeface="MathJax_Main"/>
+              </a:rPr>
+              <a:t>≈ </a:t>
+            </a:r>
+            <a:r>
+              <a:rPr lang="en-US" dirty="0"/>
+              <a:t>3600 to </a:t>
+            </a:r>
+            <a:r>
+              <a:rPr lang="de-DE" b="0" i="0" u="none" strike="noStrike" dirty="0">
+                <a:solidFill>
+                  <a:srgbClr val="232629"/>
+                </a:solidFill>
+                <a:effectLst/>
+                <a:latin typeface="MathJax_Main"/>
+              </a:rPr>
+              <a:t>≈ </a:t>
+            </a:r>
+            <a:r>
+              <a:rPr lang="en-US" b="0" i="0" u="none" strike="noStrike" dirty="0">
+                <a:solidFill>
+                  <a:srgbClr val="232629"/>
+                </a:solidFill>
+                <a:effectLst/>
+                <a:latin typeface="MathJax_Main"/>
+              </a:rPr>
+              <a:t>40)</a:t>
+            </a:r>
+            <a:endParaRPr lang="en-US" dirty="0"/>
+          </a:p>
+          <a:p>
+            <a:endParaRPr lang="de-DE" dirty="0"/>
+          </a:p>
+        </p:txBody>
+      </p:sp>
+      <p:sp>
+        <p:nvSpPr>
+          <p:cNvPr id="4" name="Datumsplatzhalter 3">
+            <a:extLst>
+              <a:ext uri="{FF2B5EF4-FFF2-40B4-BE49-F238E27FC236}">
+                <a16:creationId xmlns:a16="http://schemas.microsoft.com/office/drawing/2014/main" id="{E773A71A-7694-5AA7-9697-1EF57B4E8129}"/>
+              </a:ext>
+            </a:extLst>
+          </p:cNvPr>
+          <p:cNvSpPr>
+            <a:spLocks noGrp="1"/>
+          </p:cNvSpPr>
+          <p:nvPr>
+            <p:ph type="dt" sz="half" idx="10"/>
+          </p:nvPr>
+        </p:nvSpPr>
+        <p:spPr/>
+        <p:txBody>
+          <a:bodyPr/>
+          <a:lstStyle/>
+          <a:p>
+            <a:r>
+              <a:rPr lang="de-DE"/>
+              <a:t>17.07.2022</a:t>
+            </a:r>
+            <a:endParaRPr lang="de-DE" dirty="0"/>
+          </a:p>
+        </p:txBody>
+      </p:sp>
+      <p:sp>
+        <p:nvSpPr>
+          <p:cNvPr id="5" name="Fußzeilenplatzhalter 4">
+            <a:extLst>
+              <a:ext uri="{FF2B5EF4-FFF2-40B4-BE49-F238E27FC236}">
+                <a16:creationId xmlns:a16="http://schemas.microsoft.com/office/drawing/2014/main" id="{C46F9373-2861-A2D5-9766-9A6A35BC95DC}"/>
+              </a:ext>
+            </a:extLst>
+          </p:cNvPr>
+          <p:cNvSpPr>
+            <a:spLocks noGrp="1"/>
+          </p:cNvSpPr>
+          <p:nvPr>
+            <p:ph type="ftr" sz="quarter" idx="11"/>
+          </p:nvPr>
+        </p:nvSpPr>
+        <p:spPr/>
+        <p:txBody>
+          <a:bodyPr/>
+          <a:lstStyle/>
+          <a:p>
+            <a:r>
+              <a:rPr lang="nb-NO"/>
+              <a:t>Tim Luckhardt - 3142907, Samuel Becker - 2847416, Mehmed Yilmaz - 3476521</a:t>
             </a:r>
             <a:endParaRPr lang="de-DE"/>
           </a:p>
         </p:txBody>
       </p:sp>
-      <p:pic>
-        <p:nvPicPr>
-          <p:cNvPr id="6" name="Inhaltsplatzhalter 5">
-            <a:extLst>
-              <a:ext uri="{FF2B5EF4-FFF2-40B4-BE49-F238E27FC236}">
-                <a16:creationId xmlns:a16="http://schemas.microsoft.com/office/drawing/2014/main" id="{10A2A19A-5B7B-60E0-CF44-24BD904191A5}"/>
-              </a:ext>
-            </a:extLst>
-          </p:cNvPr>
-          <p:cNvPicPr>
-            <a:picLocks noGrp="1" noChangeAspect="1"/>
-          </p:cNvPicPr>
-          <p:nvPr>
-            <p:ph idx="1"/>
-          </p:nvPr>
-        </p:nvPicPr>
-        <p:blipFill rotWithShape="1">
-          <a:blip r:embed="rId2"/>
-          <a:srcRect t="2256"/>
-          <a:stretch/>
-        </p:blipFill>
-        <p:spPr>
-          <a:xfrm>
-            <a:off x="5214876" y="2063510"/>
-            <a:ext cx="2390476" cy="1191546"/>
-          </a:xfrm>
-        </p:spPr>
-      </p:pic>
-      <p:sp>
-        <p:nvSpPr>
-          <p:cNvPr id="11" name="Datumsplatzhalter 10">
-            <a:extLst>
-              <a:ext uri="{FF2B5EF4-FFF2-40B4-BE49-F238E27FC236}">
-                <a16:creationId xmlns:a16="http://schemas.microsoft.com/office/drawing/2014/main" id="{B2B6ABB0-24E4-4F6B-9FD4-CB549ABA115A}"/>
-              </a:ext>
-            </a:extLst>
-          </p:cNvPr>
-          <p:cNvSpPr>
-            <a:spLocks noGrp="1"/>
-          </p:cNvSpPr>
-          <p:nvPr>
-            <p:ph type="dt" sz="half" idx="10"/>
-          </p:nvPr>
-        </p:nvSpPr>
-        <p:spPr/>
-        <p:txBody>
-          <a:bodyPr/>
-          <a:lstStyle/>
-          <a:p>
-            <a:r>
-              <a:rPr lang="de-DE"/>
-              <a:t>30.05.2022</a:t>
-            </a:r>
-          </a:p>
-        </p:txBody>
-      </p:sp>
-      <p:sp>
-        <p:nvSpPr>
-          <p:cNvPr id="13" name="Foliennummernplatzhalter 12">
-            <a:extLst>
-              <a:ext uri="{FF2B5EF4-FFF2-40B4-BE49-F238E27FC236}">
-                <a16:creationId xmlns:a16="http://schemas.microsoft.com/office/drawing/2014/main" id="{D238829D-E5FF-4AED-AB9A-49E83D20B2C7}"/>
+      <p:sp>
+        <p:nvSpPr>
+          <p:cNvPr id="6" name="Foliennummernplatzhalter 5">
+            <a:extLst>
+              <a:ext uri="{FF2B5EF4-FFF2-40B4-BE49-F238E27FC236}">
+                <a16:creationId xmlns:a16="http://schemas.microsoft.com/office/drawing/2014/main" id="{032C1CC2-151D-C01E-B5C6-C2FA8AEF2FE2}"/>
               </a:ext>
             </a:extLst>
           </p:cNvPr>
@@ -6017,295 +7397,10 @@
           </a:p>
         </p:txBody>
       </p:sp>
-      <p:sp>
-        <p:nvSpPr>
-          <p:cNvPr id="10" name="Fußzeilenplatzhalter 4">
-            <a:extLst>
-              <a:ext uri="{FF2B5EF4-FFF2-40B4-BE49-F238E27FC236}">
-                <a16:creationId xmlns:a16="http://schemas.microsoft.com/office/drawing/2014/main" id="{7F46C87B-4462-33F7-F9AC-5A6CDC6F3EC2}"/>
-              </a:ext>
-            </a:extLst>
-          </p:cNvPr>
-          <p:cNvSpPr>
-            <a:spLocks noGrp="1"/>
-          </p:cNvSpPr>
-          <p:nvPr>
-            <p:ph type="ftr" sz="quarter" idx="11"/>
-          </p:nvPr>
-        </p:nvSpPr>
-        <p:spPr>
-          <a:xfrm>
-            <a:off x="2182483" y="6356350"/>
-            <a:ext cx="8143335" cy="365125"/>
-          </a:xfrm>
-        </p:spPr>
-        <p:txBody>
-          <a:bodyPr/>
-          <a:lstStyle/>
-          <a:p>
-            <a:r>
-              <a:rPr lang="nb-NO"/>
-              <a:t>Tim Luckhardt - 3142907, Samuel Becker - 2847416, Mehmed Yilmaz - 3476521</a:t>
-            </a:r>
-            <a:endParaRPr lang="de-DE"/>
-          </a:p>
-        </p:txBody>
-      </p:sp>
-      <p:pic>
-        <p:nvPicPr>
-          <p:cNvPr id="8" name="Grafik 7">
-            <a:extLst>
-              <a:ext uri="{FF2B5EF4-FFF2-40B4-BE49-F238E27FC236}">
-                <a16:creationId xmlns:a16="http://schemas.microsoft.com/office/drawing/2014/main" id="{D1F4EE9E-C0E1-CCD7-3CE5-C988B6E231E3}"/>
-              </a:ext>
-            </a:extLst>
-          </p:cNvPr>
-          <p:cNvPicPr>
-            <a:picLocks noChangeAspect="1"/>
-          </p:cNvPicPr>
-          <p:nvPr/>
-        </p:nvPicPr>
-        <p:blipFill rotWithShape="1">
-          <a:blip r:embed="rId3"/>
-          <a:srcRect t="3646"/>
-          <a:stretch/>
-        </p:blipFill>
-        <p:spPr>
-          <a:xfrm>
-            <a:off x="8596313" y="2063510"/>
-            <a:ext cx="1838095" cy="2009666"/>
-          </a:xfrm>
-          <a:prstGeom prst="rect">
-            <a:avLst/>
-          </a:prstGeom>
-        </p:spPr>
-      </p:pic>
-      <p:pic>
-        <p:nvPicPr>
-          <p:cNvPr id="15" name="Grafik 14">
-            <a:extLst>
-              <a:ext uri="{FF2B5EF4-FFF2-40B4-BE49-F238E27FC236}">
-                <a16:creationId xmlns:a16="http://schemas.microsoft.com/office/drawing/2014/main" id="{6C12025A-A220-8933-C93A-5DA4BB177736}"/>
-              </a:ext>
-            </a:extLst>
-          </p:cNvPr>
-          <p:cNvPicPr>
-            <a:picLocks noChangeAspect="1"/>
-          </p:cNvPicPr>
-          <p:nvPr/>
-        </p:nvPicPr>
-        <p:blipFill rotWithShape="1">
-          <a:blip r:embed="rId4"/>
-          <a:srcRect t="5218"/>
-          <a:stretch/>
-        </p:blipFill>
-        <p:spPr>
-          <a:xfrm>
-            <a:off x="838200" y="2066925"/>
-            <a:ext cx="3447619" cy="1191546"/>
-          </a:xfrm>
-          <a:prstGeom prst="rect">
-            <a:avLst/>
-          </a:prstGeom>
-        </p:spPr>
-      </p:pic>
-      <p:pic>
-        <p:nvPicPr>
-          <p:cNvPr id="17" name="Grafik 16" descr="Ein Bild, das Text, Tisch enthält.&#10;&#10;Automatisch generierte Beschreibung">
-            <a:extLst>
-              <a:ext uri="{FF2B5EF4-FFF2-40B4-BE49-F238E27FC236}">
-                <a16:creationId xmlns:a16="http://schemas.microsoft.com/office/drawing/2014/main" id="{68739510-1B3E-6025-7E2A-BA11F0ECA62B}"/>
-              </a:ext>
-              <a:ext uri="{C183D7F6-B498-43B3-948B-1728B52AA6E4}">
-                <adec:decorative xmlns:adec="http://schemas.microsoft.com/office/drawing/2017/decorative" val="0"/>
-              </a:ext>
-            </a:extLst>
-          </p:cNvPr>
-          <p:cNvPicPr>
-            <a:picLocks noChangeAspect="1"/>
-          </p:cNvPicPr>
-          <p:nvPr/>
-        </p:nvPicPr>
-        <p:blipFill>
-          <a:blip r:embed="rId5"/>
-          <a:stretch>
-            <a:fillRect/>
-          </a:stretch>
-        </p:blipFill>
-        <p:spPr>
-          <a:xfrm>
-            <a:off x="5214876" y="3898744"/>
-            <a:ext cx="2466667" cy="1200000"/>
-          </a:xfrm>
-          <a:prstGeom prst="rect">
-            <a:avLst/>
-          </a:prstGeom>
-        </p:spPr>
-      </p:pic>
-      <p:sp>
-        <p:nvSpPr>
-          <p:cNvPr id="18" name="Textfeld 17">
-            <a:extLst>
-              <a:ext uri="{FF2B5EF4-FFF2-40B4-BE49-F238E27FC236}">
-                <a16:creationId xmlns:a16="http://schemas.microsoft.com/office/drawing/2014/main" id="{A0716BD8-DAD6-D620-15FA-672751A4C868}"/>
-              </a:ext>
-            </a:extLst>
-          </p:cNvPr>
-          <p:cNvSpPr txBox="1"/>
-          <p:nvPr/>
-        </p:nvSpPr>
-        <p:spPr>
-          <a:xfrm>
-            <a:off x="5214876" y="5082588"/>
-            <a:ext cx="2466667" cy="276999"/>
-          </a:xfrm>
-          <a:prstGeom prst="rect">
-            <a:avLst/>
-          </a:prstGeom>
-          <a:noFill/>
-        </p:spPr>
-        <p:txBody>
-          <a:bodyPr wrap="square" rtlCol="0">
-            <a:spAutoFit/>
-          </a:bodyPr>
-          <a:lstStyle/>
-          <a:p>
-            <a:r>
-              <a:rPr lang="de-DE" sz="1200"/>
-              <a:t>Table: </a:t>
-            </a:r>
-            <a:r>
-              <a:rPr lang="de-DE" sz="1200" err="1"/>
-              <a:t>Annotations_consolidated</a:t>
-            </a:r>
-            <a:endParaRPr lang="de-DE" sz="1200"/>
-          </a:p>
-        </p:txBody>
-      </p:sp>
-      <p:sp>
-        <p:nvSpPr>
-          <p:cNvPr id="19" name="Textfeld 18">
-            <a:extLst>
-              <a:ext uri="{FF2B5EF4-FFF2-40B4-BE49-F238E27FC236}">
-                <a16:creationId xmlns:a16="http://schemas.microsoft.com/office/drawing/2014/main" id="{A0BD1433-E35C-89C3-6648-60F82DBEF879}"/>
-              </a:ext>
-            </a:extLst>
-          </p:cNvPr>
-          <p:cNvSpPr txBox="1"/>
-          <p:nvPr/>
-        </p:nvSpPr>
-        <p:spPr>
-          <a:xfrm>
-            <a:off x="5214876" y="3212649"/>
-            <a:ext cx="2466667" cy="276999"/>
-          </a:xfrm>
-          <a:prstGeom prst="rect">
-            <a:avLst/>
-          </a:prstGeom>
-          <a:noFill/>
-        </p:spPr>
-        <p:txBody>
-          <a:bodyPr wrap="square" rtlCol="0">
-            <a:spAutoFit/>
-          </a:bodyPr>
-          <a:lstStyle/>
-          <a:p>
-            <a:r>
-              <a:rPr lang="de-DE" sz="1200"/>
-              <a:t>Table: </a:t>
-            </a:r>
-            <a:r>
-              <a:rPr lang="de-DE" sz="1200" err="1"/>
-              <a:t>CrossValSplit</a:t>
-            </a:r>
-            <a:endParaRPr lang="de-DE" sz="1200"/>
-          </a:p>
-        </p:txBody>
-      </p:sp>
-      <p:sp>
-        <p:nvSpPr>
-          <p:cNvPr id="20" name="Textfeld 19">
-            <a:extLst>
-              <a:ext uri="{FF2B5EF4-FFF2-40B4-BE49-F238E27FC236}">
-                <a16:creationId xmlns:a16="http://schemas.microsoft.com/office/drawing/2014/main" id="{3C30B72D-0F66-7A27-DB74-C1156B4738FD}"/>
-              </a:ext>
-            </a:extLst>
-          </p:cNvPr>
-          <p:cNvSpPr txBox="1"/>
-          <p:nvPr/>
-        </p:nvSpPr>
-        <p:spPr>
-          <a:xfrm>
-            <a:off x="838200" y="3271901"/>
-            <a:ext cx="2466667" cy="276999"/>
-          </a:xfrm>
-          <a:prstGeom prst="rect">
-            <a:avLst/>
-          </a:prstGeom>
-          <a:noFill/>
-        </p:spPr>
-        <p:txBody>
-          <a:bodyPr wrap="square" rtlCol="0">
-            <a:spAutoFit/>
-          </a:bodyPr>
-          <a:lstStyle/>
-          <a:p>
-            <a:r>
-              <a:rPr lang="de-DE" sz="1200"/>
-              <a:t>Table: </a:t>
-            </a:r>
-            <a:r>
-              <a:rPr lang="de-DE" sz="1200" err="1"/>
-              <a:t>Annotations</a:t>
-            </a:r>
-            <a:endParaRPr lang="de-DE" sz="1200"/>
-          </a:p>
-        </p:txBody>
-      </p:sp>
-      <p:sp>
-        <p:nvSpPr>
-          <p:cNvPr id="21" name="Textfeld 20">
-            <a:extLst>
-              <a:ext uri="{FF2B5EF4-FFF2-40B4-BE49-F238E27FC236}">
-                <a16:creationId xmlns:a16="http://schemas.microsoft.com/office/drawing/2014/main" id="{D58E8071-CD5D-3FF2-F4EE-8B07FD479997}"/>
-              </a:ext>
-            </a:extLst>
-          </p:cNvPr>
-          <p:cNvSpPr txBox="1"/>
-          <p:nvPr/>
-        </p:nvSpPr>
-        <p:spPr>
-          <a:xfrm>
-            <a:off x="8596313" y="4062010"/>
-            <a:ext cx="2466667" cy="276999"/>
-          </a:xfrm>
-          <a:prstGeom prst="rect">
-            <a:avLst/>
-          </a:prstGeom>
-          <a:noFill/>
-        </p:spPr>
-        <p:txBody>
-          <a:bodyPr wrap="square" rtlCol="0">
-            <a:spAutoFit/>
-          </a:bodyPr>
-          <a:lstStyle/>
-          <a:p>
-            <a:r>
-              <a:rPr lang="de-DE" sz="1200"/>
-              <a:t>Table: </a:t>
-            </a:r>
-            <a:r>
-              <a:rPr lang="de-DE" sz="1200" err="1"/>
-              <a:t>Categories</a:t>
-            </a:r>
-            <a:endParaRPr lang="de-DE" sz="1200"/>
-          </a:p>
-        </p:txBody>
-      </p:sp>
     </p:spTree>
     <p:extLst>
       <p:ext uri="{BB962C8B-B14F-4D97-AF65-F5344CB8AC3E}">
-        <p14:creationId xmlns:p14="http://schemas.microsoft.com/office/powerpoint/2010/main" val="1373661821"/>
+        <p14:creationId xmlns:p14="http://schemas.microsoft.com/office/powerpoint/2010/main" val="1529851968"/>
       </p:ext>
     </p:extLst>
   </p:cSld>
@@ -6337,7 +7432,7 @@
           <p:cNvPr id="2" name="Titel 1">
             <a:extLst>
               <a:ext uri="{FF2B5EF4-FFF2-40B4-BE49-F238E27FC236}">
-                <a16:creationId xmlns:a16="http://schemas.microsoft.com/office/drawing/2014/main" id="{8F0F4853-0AEB-43C3-A96D-CF7C82522A13}"/>
+                <a16:creationId xmlns:a16="http://schemas.microsoft.com/office/drawing/2014/main" id="{94FC4479-D37A-BEE0-69D0-3D2FD9214C13}"/>
               </a:ext>
             </a:extLst>
           </p:cNvPr>
@@ -6354,8 +7449,8 @@
           <a:lstStyle/>
           <a:p>
             <a:r>
-              <a:rPr lang="de-DE"/>
-              <a:t>Challenges</a:t>
+              <a:rPr lang="de-DE" dirty="0"/>
+              <a:t>Labels</a:t>
             </a:r>
           </a:p>
         </p:txBody>
@@ -6365,7 +7460,7 @@
           <p:cNvPr id="3" name="Inhaltsplatzhalter 2">
             <a:extLst>
               <a:ext uri="{FF2B5EF4-FFF2-40B4-BE49-F238E27FC236}">
-                <a16:creationId xmlns:a16="http://schemas.microsoft.com/office/drawing/2014/main" id="{C5479120-CD8C-4EA3-8036-1110E4267194}"/>
+                <a16:creationId xmlns:a16="http://schemas.microsoft.com/office/drawing/2014/main" id="{9F2D302F-90F8-65FB-01AF-B7D53289E690}"/>
               </a:ext>
             </a:extLst>
           </p:cNvPr>
@@ -6382,77 +7477,127 @@
           <a:lstStyle/>
           <a:p>
             <a:r>
-              <a:rPr lang="de-DE"/>
-              <a:t>Data Imbalance</a:t>
-            </a:r>
-          </a:p>
-          <a:p>
-            <a:pPr marL="0" indent="0">
-              <a:buNone/>
-            </a:pPr>
+              <a:rPr lang="en-US" dirty="0"/>
+              <a:t>3600 posts: All 9 labels set. </a:t>
+            </a:r>
+          </a:p>
+          <a:p>
+            <a:r>
+              <a:rPr lang="en-US" dirty="0"/>
+              <a:t>Most posts: Only a subset of labels is set (</a:t>
+            </a:r>
+            <a:r>
+              <a:rPr lang="de-DE" b="0" i="0" u="none" strike="noStrike" dirty="0">
+                <a:solidFill>
+                  <a:srgbClr val="232629"/>
+                </a:solidFill>
+                <a:effectLst/>
+                <a:latin typeface="MathJax_Main"/>
+              </a:rPr>
+              <a:t>≈ 1</a:t>
+            </a:r>
+            <a:r>
+              <a:rPr lang="en-US" dirty="0"/>
+              <a:t>0,000 posts)</a:t>
+            </a:r>
+          </a:p>
+          <a:p>
+            <a:pPr lvl="1"/>
+            <a:r>
+              <a:rPr lang="en-US" dirty="0"/>
+              <a:t>In total: </a:t>
+            </a:r>
+            <a:r>
+              <a:rPr lang="de-DE" b="0" i="0" u="none" strike="noStrike" dirty="0">
+                <a:solidFill>
+                  <a:srgbClr val="232629"/>
+                </a:solidFill>
+                <a:effectLst/>
+                <a:latin typeface="MathJax_Main"/>
+              </a:rPr>
+              <a:t>≈ </a:t>
+            </a:r>
+            <a:r>
+              <a:rPr lang="en-US" dirty="0"/>
+              <a:t>40,000 labels assigned</a:t>
+            </a:r>
+          </a:p>
+          <a:p>
+            <a:r>
+              <a:rPr lang="en-US" dirty="0"/>
+              <a:t>1 million remaining posts are unlabeled.</a:t>
+            </a:r>
+            <a:endParaRPr lang="de-DE" dirty="0"/>
+          </a:p>
+          <a:p>
+            <a:endParaRPr lang="de-DE" dirty="0"/>
+          </a:p>
+        </p:txBody>
+      </p:sp>
+      <p:sp>
+        <p:nvSpPr>
+          <p:cNvPr id="4" name="Datumsplatzhalter 3">
+            <a:extLst>
+              <a:ext uri="{FF2B5EF4-FFF2-40B4-BE49-F238E27FC236}">
+                <a16:creationId xmlns:a16="http://schemas.microsoft.com/office/drawing/2014/main" id="{6E53014A-4EA9-EB6E-A1A5-47EA055214F2}"/>
+              </a:ext>
+            </a:extLst>
+          </p:cNvPr>
+          <p:cNvSpPr>
+            <a:spLocks noGrp="1"/>
+          </p:cNvSpPr>
+          <p:nvPr>
+            <p:ph type="dt" sz="half" idx="10"/>
+          </p:nvPr>
+        </p:nvSpPr>
+        <p:spPr/>
+        <p:txBody>
+          <a:bodyPr/>
+          <a:lstStyle/>
+          <a:p>
+            <a:r>
+              <a:rPr lang="de-DE"/>
+              <a:t>17.07.2022</a:t>
+            </a:r>
+            <a:endParaRPr lang="de-DE" dirty="0"/>
+          </a:p>
+        </p:txBody>
+      </p:sp>
+      <p:sp>
+        <p:nvSpPr>
+          <p:cNvPr id="5" name="Fußzeilenplatzhalter 4">
+            <a:extLst>
+              <a:ext uri="{FF2B5EF4-FFF2-40B4-BE49-F238E27FC236}">
+                <a16:creationId xmlns:a16="http://schemas.microsoft.com/office/drawing/2014/main" id="{918A0E77-466E-3DCD-999C-8DF6DC76FB59}"/>
+              </a:ext>
+            </a:extLst>
+          </p:cNvPr>
+          <p:cNvSpPr>
+            <a:spLocks noGrp="1"/>
+          </p:cNvSpPr>
+          <p:nvPr>
+            <p:ph type="ftr" sz="quarter" idx="11"/>
+          </p:nvPr>
+        </p:nvSpPr>
+        <p:spPr/>
+        <p:txBody>
+          <a:bodyPr/>
+          <a:lstStyle/>
+          <a:p>
+            <a:r>
+              <a:rPr lang="nb-NO"/>
+              <a:t>Tim Luckhardt - 3142907, Samuel Becker - 2847416, Mehmed Yilmaz - 3476521</a:t>
+            </a:r>
             <a:endParaRPr lang="de-DE"/>
           </a:p>
-          <a:p>
-            <a:r>
-              <a:rPr lang="de-DE"/>
-              <a:t>Model </a:t>
-            </a:r>
-            <a:r>
-              <a:rPr lang="de-DE" err="1"/>
-              <a:t>optimization</a:t>
-            </a:r>
-            <a:endParaRPr lang="de-DE"/>
-          </a:p>
-          <a:p>
-            <a:endParaRPr lang="de-DE"/>
-          </a:p>
-          <a:p>
-            <a:r>
-              <a:rPr lang="de-DE"/>
-              <a:t>Training-set </a:t>
-            </a:r>
-            <a:r>
-              <a:rPr lang="de-DE" err="1"/>
-              <a:t>optimization</a:t>
-            </a:r>
-            <a:endParaRPr lang="de-DE"/>
-          </a:p>
-        </p:txBody>
-      </p:sp>
-      <p:sp>
-        <p:nvSpPr>
-          <p:cNvPr id="10" name="Datumsplatzhalter 9">
-            <a:extLst>
-              <a:ext uri="{FF2B5EF4-FFF2-40B4-BE49-F238E27FC236}">
-                <a16:creationId xmlns:a16="http://schemas.microsoft.com/office/drawing/2014/main" id="{5F6C55AE-B681-4D93-9610-D5E278F1FF75}"/>
-              </a:ext>
-            </a:extLst>
-          </p:cNvPr>
-          <p:cNvSpPr>
-            <a:spLocks noGrp="1"/>
-          </p:cNvSpPr>
-          <p:nvPr>
-            <p:ph type="dt" sz="half" idx="10"/>
-          </p:nvPr>
-        </p:nvSpPr>
-        <p:spPr/>
-        <p:txBody>
-          <a:bodyPr/>
-          <a:lstStyle/>
-          <a:p>
-            <a:r>
-              <a:rPr lang="de-DE"/>
-              <a:t>30.05.2022</a:t>
-            </a:r>
-          </a:p>
-        </p:txBody>
-      </p:sp>
-      <p:sp>
-        <p:nvSpPr>
-          <p:cNvPr id="12" name="Foliennummernplatzhalter 11">
-            <a:extLst>
-              <a:ext uri="{FF2B5EF4-FFF2-40B4-BE49-F238E27FC236}">
-                <a16:creationId xmlns:a16="http://schemas.microsoft.com/office/drawing/2014/main" id="{AB5EC0AC-BEA7-422F-9184-FABBD187C795}"/>
+        </p:txBody>
+      </p:sp>
+      <p:sp>
+        <p:nvSpPr>
+          <p:cNvPr id="6" name="Foliennummernplatzhalter 5">
+            <a:extLst>
+              <a:ext uri="{FF2B5EF4-FFF2-40B4-BE49-F238E27FC236}">
+                <a16:creationId xmlns:a16="http://schemas.microsoft.com/office/drawing/2014/main" id="{1197EF10-4750-234F-4FED-B36BEBD188E8}"/>
               </a:ext>
             </a:extLst>
           </p:cNvPr>
@@ -6476,74 +7621,10 @@
           </a:p>
         </p:txBody>
       </p:sp>
-      <p:sp>
-        <p:nvSpPr>
-          <p:cNvPr id="8" name="Fußzeilenplatzhalter 4">
-            <a:extLst>
-              <a:ext uri="{FF2B5EF4-FFF2-40B4-BE49-F238E27FC236}">
-                <a16:creationId xmlns:a16="http://schemas.microsoft.com/office/drawing/2014/main" id="{24C96BC1-9617-2E05-17B8-C05B848E829F}"/>
-              </a:ext>
-            </a:extLst>
-          </p:cNvPr>
-          <p:cNvSpPr>
-            <a:spLocks noGrp="1"/>
-          </p:cNvSpPr>
-          <p:nvPr>
-            <p:ph type="ftr" sz="quarter" idx="11"/>
-          </p:nvPr>
-        </p:nvSpPr>
-        <p:spPr>
-          <a:xfrm>
-            <a:off x="2182483" y="6356350"/>
-            <a:ext cx="8143335" cy="365125"/>
-          </a:xfrm>
-        </p:spPr>
-        <p:txBody>
-          <a:bodyPr/>
-          <a:lstStyle/>
-          <a:p>
-            <a:r>
-              <a:rPr lang="nb-NO"/>
-              <a:t>Tim Luckhardt - 3142907, Samuel Becker - 2847416, Mehmed Yilmaz - 3476521</a:t>
-            </a:r>
-            <a:endParaRPr lang="de-DE"/>
-          </a:p>
-        </p:txBody>
-      </p:sp>
-      <p:pic>
-        <p:nvPicPr>
-          <p:cNvPr id="7" name="Grafik 6" descr="category distribution chart">
-            <a:extLst>
-              <a:ext uri="{FF2B5EF4-FFF2-40B4-BE49-F238E27FC236}">
-                <a16:creationId xmlns:a16="http://schemas.microsoft.com/office/drawing/2014/main" id="{1A1D5570-2809-59B5-2691-31534714A8EA}"/>
-              </a:ext>
-            </a:extLst>
-          </p:cNvPr>
-          <p:cNvPicPr>
-            <a:picLocks noChangeAspect="1"/>
-          </p:cNvPicPr>
-          <p:nvPr/>
-        </p:nvPicPr>
-        <p:blipFill>
-          <a:blip r:embed="rId2"/>
-          <a:stretch>
-            <a:fillRect/>
-          </a:stretch>
-        </p:blipFill>
-        <p:spPr bwMode="auto">
-          <a:xfrm>
-            <a:off x="5759332" y="2070340"/>
-            <a:ext cx="4950338" cy="2241505"/>
-          </a:xfrm>
-          <a:prstGeom prst="rect">
-            <a:avLst/>
-          </a:prstGeom>
-        </p:spPr>
-      </p:pic>
     </p:spTree>
     <p:extLst>
       <p:ext uri="{BB962C8B-B14F-4D97-AF65-F5344CB8AC3E}">
-        <p14:creationId xmlns:p14="http://schemas.microsoft.com/office/powerpoint/2010/main" val="379035648"/>
+        <p14:creationId xmlns:p14="http://schemas.microsoft.com/office/powerpoint/2010/main" val="3948518755"/>
       </p:ext>
     </p:extLst>
   </p:cSld>
@@ -6575,49 +7656,49 @@
           <p:cNvPr id="2" name="Titel 1">
             <a:extLst>
               <a:ext uri="{FF2B5EF4-FFF2-40B4-BE49-F238E27FC236}">
-                <a16:creationId xmlns:a16="http://schemas.microsoft.com/office/drawing/2014/main" id="{F84DBAC4-4772-4321-98A5-B53D8182BDCC}"/>
-              </a:ext>
-            </a:extLst>
-          </p:cNvPr>
-          <p:cNvSpPr>
-            <a:spLocks noGrp="1"/>
-          </p:cNvSpPr>
-          <p:nvPr>
-            <p:ph type="ctrTitle"/>
-          </p:nvPr>
-        </p:nvSpPr>
-        <p:spPr/>
-        <p:txBody>
-          <a:bodyPr/>
-          <a:lstStyle/>
-          <a:p>
-            <a:r>
-              <a:rPr lang="de-DE"/>
-              <a:t>Le Fin</a:t>
-            </a:r>
-          </a:p>
-        </p:txBody>
-      </p:sp>
-      <p:sp>
-        <p:nvSpPr>
-          <p:cNvPr id="4" name="Datumsplatzhalter 3">
-            <a:extLst>
-              <a:ext uri="{FF2B5EF4-FFF2-40B4-BE49-F238E27FC236}">
-                <a16:creationId xmlns:a16="http://schemas.microsoft.com/office/drawing/2014/main" id="{8EAC4E54-2418-4260-B89A-A8B47F6D747D}"/>
-              </a:ext>
-            </a:extLst>
-          </p:cNvPr>
-          <p:cNvSpPr>
-            <a:spLocks noGrp="1"/>
-          </p:cNvSpPr>
-          <p:nvPr>
-            <p:ph type="dt" sz="half" idx="10"/>
+                <a16:creationId xmlns:a16="http://schemas.microsoft.com/office/drawing/2014/main" id="{36CBE61A-AC20-20C9-3762-8DB3EF5C08CB}"/>
+              </a:ext>
+            </a:extLst>
+          </p:cNvPr>
+          <p:cNvSpPr>
+            <a:spLocks noGrp="1"/>
+          </p:cNvSpPr>
+          <p:nvPr>
+            <p:ph type="title"/>
+          </p:nvPr>
+        </p:nvSpPr>
+        <p:spPr/>
+        <p:txBody>
+          <a:bodyPr/>
+          <a:lstStyle/>
+          <a:p>
+            <a:r>
+              <a:rPr lang="de-DE" dirty="0"/>
+              <a:t>Meta-Labels</a:t>
+            </a:r>
+          </a:p>
+        </p:txBody>
+      </p:sp>
+      <p:sp>
+        <p:nvSpPr>
+          <p:cNvPr id="3" name="Inhaltsplatzhalter 2">
+            <a:extLst>
+              <a:ext uri="{FF2B5EF4-FFF2-40B4-BE49-F238E27FC236}">
+                <a16:creationId xmlns:a16="http://schemas.microsoft.com/office/drawing/2014/main" id="{C1D82F8B-2248-A613-A789-E4B71CE2757C}"/>
+              </a:ext>
+            </a:extLst>
+          </p:cNvPr>
+          <p:cNvSpPr>
+            <a:spLocks noGrp="1"/>
+          </p:cNvSpPr>
+          <p:nvPr>
+            <p:ph idx="1"/>
           </p:nvPr>
         </p:nvSpPr>
         <p:spPr>
           <a:xfrm>
-            <a:off x="838200" y="6356350"/>
-            <a:ext cx="2743200" cy="365125"/>
+            <a:off x="838200" y="1781237"/>
+            <a:ext cx="10515600" cy="4351338"/>
           </a:xfrm>
         </p:spPr>
         <p:txBody>
@@ -6625,9 +7706,118 @@
           <a:lstStyle/>
           <a:p>
             <a:r>
-              <a:rPr lang="de-DE"/>
-              <a:t>30.05.2022</a:t>
-            </a:r>
+              <a:rPr lang="de-DE" dirty="0"/>
+              <a:t>Posts </a:t>
+            </a:r>
+            <a:r>
+              <a:rPr lang="de-DE" dirty="0" err="1"/>
+              <a:t>can</a:t>
+            </a:r>
+            <a:r>
+              <a:rPr lang="de-DE" dirty="0"/>
+              <a:t> </a:t>
+            </a:r>
+            <a:r>
+              <a:rPr lang="de-DE" dirty="0" err="1"/>
+              <a:t>have</a:t>
+            </a:r>
+            <a:r>
+              <a:rPr lang="de-DE" dirty="0"/>
+              <a:t>:</a:t>
+            </a:r>
+          </a:p>
+          <a:p>
+            <a:pPr lvl="1"/>
+            <a:r>
+              <a:rPr lang="de-DE" dirty="0"/>
+              <a:t>Positive-/Negative </a:t>
+            </a:r>
+            <a:r>
+              <a:rPr lang="de-DE" dirty="0" err="1"/>
+              <a:t>votes</a:t>
+            </a:r>
+            <a:endParaRPr lang="de-DE" dirty="0"/>
+          </a:p>
+          <a:p>
+            <a:pPr lvl="1"/>
+            <a:r>
+              <a:rPr lang="de-DE" dirty="0"/>
+              <a:t>Status: </a:t>
+            </a:r>
+            <a:r>
+              <a:rPr lang="de-DE" dirty="0" err="1"/>
+              <a:t>Deleted</a:t>
+            </a:r>
+            <a:r>
+              <a:rPr lang="de-DE" dirty="0"/>
+              <a:t> </a:t>
+            </a:r>
+            <a:r>
+              <a:rPr lang="de-DE" dirty="0" err="1"/>
+              <a:t>or</a:t>
+            </a:r>
+            <a:r>
+              <a:rPr lang="de-DE" dirty="0"/>
+              <a:t> not</a:t>
+            </a:r>
+          </a:p>
+        </p:txBody>
+      </p:sp>
+      <p:sp>
+        <p:nvSpPr>
+          <p:cNvPr id="4" name="Datumsplatzhalter 3">
+            <a:extLst>
+              <a:ext uri="{FF2B5EF4-FFF2-40B4-BE49-F238E27FC236}">
+                <a16:creationId xmlns:a16="http://schemas.microsoft.com/office/drawing/2014/main" id="{8CA279A2-0A2D-9D39-40C6-41DE81FCE56A}"/>
+              </a:ext>
+            </a:extLst>
+          </p:cNvPr>
+          <p:cNvSpPr>
+            <a:spLocks noGrp="1"/>
+          </p:cNvSpPr>
+          <p:nvPr>
+            <p:ph type="dt" sz="half" idx="10"/>
+          </p:nvPr>
+        </p:nvSpPr>
+        <p:spPr/>
+        <p:txBody>
+          <a:bodyPr/>
+          <a:lstStyle/>
+          <a:p>
+            <a:r>
+              <a:rPr lang="de-DE"/>
+              <a:t>17.07.2022</a:t>
+            </a:r>
+            <a:endParaRPr lang="de-DE" dirty="0"/>
+          </a:p>
+        </p:txBody>
+      </p:sp>
+      <p:sp>
+        <p:nvSpPr>
+          <p:cNvPr id="5" name="Fußzeilenplatzhalter 4">
+            <a:extLst>
+              <a:ext uri="{FF2B5EF4-FFF2-40B4-BE49-F238E27FC236}">
+                <a16:creationId xmlns:a16="http://schemas.microsoft.com/office/drawing/2014/main" id="{A1730EA7-2FB7-E8CC-7A8B-90B15E396F4B}"/>
+              </a:ext>
+            </a:extLst>
+          </p:cNvPr>
+          <p:cNvSpPr>
+            <a:spLocks noGrp="1"/>
+          </p:cNvSpPr>
+          <p:nvPr>
+            <p:ph type="ftr" sz="quarter" idx="11"/>
+          </p:nvPr>
+        </p:nvSpPr>
+        <p:spPr/>
+        <p:txBody>
+          <a:bodyPr/>
+          <a:lstStyle/>
+          <a:p>
+            <a:r>
+              <a:rPr lang="nb-NO"/>
+              <a:t>Tim Luckhardt - 3142907, Samuel Becker - 2847416, Mehmed Yilmaz - 3476521</a:t>
+            </a:r>
+            <a:endParaRPr lang="de-DE"/>
           </a:p>
         </p:txBody>
       </p:sp>
@@ -6636,7 +7826,7 @@
           <p:cNvPr id="6" name="Foliennummernplatzhalter 5">
             <a:extLst>
               <a:ext uri="{FF2B5EF4-FFF2-40B4-BE49-F238E27FC236}">
-                <a16:creationId xmlns:a16="http://schemas.microsoft.com/office/drawing/2014/main" id="{E3E796C0-FEBF-42DE-BEAF-EE56A30995F3}"/>
+                <a16:creationId xmlns:a16="http://schemas.microsoft.com/office/drawing/2014/main" id="{B9A62979-978C-C68F-30E8-FF9585FE0675}"/>
               </a:ext>
             </a:extLst>
           </p:cNvPr>
@@ -6647,12 +7837,7 @@
             <p:ph type="sldNum" sz="quarter" idx="12"/>
           </p:nvPr>
         </p:nvSpPr>
-        <p:spPr>
-          <a:xfrm>
-            <a:off x="8610600" y="6356350"/>
-            <a:ext cx="2743200" cy="365125"/>
-          </a:xfrm>
-        </p:spPr>
+        <p:spPr/>
         <p:txBody>
           <a:bodyPr/>
           <a:lstStyle/>
@@ -6665,44 +7850,10 @@
           </a:p>
         </p:txBody>
       </p:sp>
-      <p:sp>
-        <p:nvSpPr>
-          <p:cNvPr id="7" name="Fußzeilenplatzhalter 4">
-            <a:extLst>
-              <a:ext uri="{FF2B5EF4-FFF2-40B4-BE49-F238E27FC236}">
-                <a16:creationId xmlns:a16="http://schemas.microsoft.com/office/drawing/2014/main" id="{25CA7546-155A-A375-F67F-38B2AACEA37E}"/>
-              </a:ext>
-            </a:extLst>
-          </p:cNvPr>
-          <p:cNvSpPr>
-            <a:spLocks noGrp="1"/>
-          </p:cNvSpPr>
-          <p:nvPr>
-            <p:ph type="ftr" sz="quarter" idx="11"/>
-          </p:nvPr>
-        </p:nvSpPr>
-        <p:spPr>
-          <a:xfrm>
-            <a:off x="2182483" y="6356350"/>
-            <a:ext cx="8143335" cy="365125"/>
-          </a:xfrm>
-        </p:spPr>
-        <p:txBody>
-          <a:bodyPr/>
-          <a:lstStyle/>
-          <a:p>
-            <a:r>
-              <a:rPr lang="nb-NO"/>
-              <a:t>Tim Luckhardt - 3142907, Samuel Becker - 2847416, Mehmed Yilmaz - 3476521</a:t>
-            </a:r>
-            <a:endParaRPr lang="de-DE"/>
-          </a:p>
-        </p:txBody>
-      </p:sp>
     </p:spTree>
     <p:extLst>
       <p:ext uri="{BB962C8B-B14F-4D97-AF65-F5344CB8AC3E}">
-        <p14:creationId xmlns:p14="http://schemas.microsoft.com/office/powerpoint/2010/main" val="3283285248"/>
+        <p14:creationId xmlns:p14="http://schemas.microsoft.com/office/powerpoint/2010/main" val="1122700993"/>
       </p:ext>
     </p:extLst>
   </p:cSld>
